--- a/Presentation1.pptx
+++ b/Presentation1.pptx
@@ -4,9 +4,16 @@
   <p:sldMasterIdLst>
     <p:sldMasterId id="2147483648" r:id="rId1"/>
   </p:sldMasterIdLst>
+  <p:notesMasterIdLst>
+    <p:notesMasterId r:id="rId8"/>
+  </p:notesMasterIdLst>
   <p:sldIdLst>
     <p:sldId id="257" r:id="rId2"/>
     <p:sldId id="258" r:id="rId3"/>
+    <p:sldId id="259" r:id="rId4"/>
+    <p:sldId id="260" r:id="rId5"/>
+    <p:sldId id="261" r:id="rId6"/>
+    <p:sldId id="262" r:id="rId7"/>
   </p:sldIdLst>
   <p:sldSz cx="12192000" cy="6858000"/>
   <p:notesSz cx="6858000" cy="9144000"/>
@@ -105,7 +112,864 @@
       </a:defRPr>
     </a:lvl9pPr>
   </p:defaultTextStyle>
+  <p:extLst>
+    <p:ext uri="{EFAFB233-063F-42B5-8137-9DF3F51BA10A}">
+      <p15:sldGuideLst xmlns:p15="http://schemas.microsoft.com/office/powerpoint/2012/main"/>
+    </p:ext>
+  </p:extLst>
 </p:presentation>
+</file>
+
+<file path=ppt/notesMasters/notesMaster1.xml><?xml version="1.0" encoding="utf-8"?>
+<p:notesMaster xmlns:a="http://schemas.openxmlformats.org/drawingml/2006/main" xmlns:r="http://schemas.openxmlformats.org/officeDocument/2006/relationships" xmlns:p="http://schemas.openxmlformats.org/presentationml/2006/main">
+  <p:cSld>
+    <p:bg>
+      <p:bgRef idx="1001">
+        <a:schemeClr val="bg1"/>
+      </p:bgRef>
+    </p:bg>
+    <p:spTree>
+      <p:nvGrpSpPr>
+        <p:cNvPr id="1" name=""/>
+        <p:cNvGrpSpPr/>
+        <p:nvPr/>
+      </p:nvGrpSpPr>
+      <p:grpSpPr>
+        <a:xfrm>
+          <a:off x="0" y="0"/>
+          <a:ext cx="0" cy="0"/>
+          <a:chOff x="0" y="0"/>
+          <a:chExt cx="0" cy="0"/>
+        </a:xfrm>
+      </p:grpSpPr>
+      <p:sp>
+        <p:nvSpPr>
+          <p:cNvPr id="2" name="Header Placeholder 1"/>
+          <p:cNvSpPr>
+            <a:spLocks noGrp="1"/>
+          </p:cNvSpPr>
+          <p:nvPr>
+            <p:ph type="hdr" sz="quarter"/>
+          </p:nvPr>
+        </p:nvSpPr>
+        <p:spPr>
+          <a:xfrm>
+            <a:off x="0" y="0"/>
+            <a:ext cx="2971800" cy="458788"/>
+          </a:xfrm>
+          <a:prstGeom prst="rect">
+            <a:avLst/>
+          </a:prstGeom>
+        </p:spPr>
+        <p:txBody>
+          <a:bodyPr vert="horz" lIns="91440" tIns="45720" rIns="91440" bIns="45720" rtlCol="0"/>
+          <a:lstStyle>
+            <a:lvl1pPr algn="l">
+              <a:defRPr sz="1200"/>
+            </a:lvl1pPr>
+          </a:lstStyle>
+          <a:p>
+            <a:endParaRPr lang="en-US"/>
+          </a:p>
+        </p:txBody>
+      </p:sp>
+      <p:sp>
+        <p:nvSpPr>
+          <p:cNvPr id="3" name="Date Placeholder 2"/>
+          <p:cNvSpPr>
+            <a:spLocks noGrp="1"/>
+          </p:cNvSpPr>
+          <p:nvPr>
+            <p:ph type="dt" idx="1"/>
+          </p:nvPr>
+        </p:nvSpPr>
+        <p:spPr>
+          <a:xfrm>
+            <a:off x="3884613" y="0"/>
+            <a:ext cx="2971800" cy="458788"/>
+          </a:xfrm>
+          <a:prstGeom prst="rect">
+            <a:avLst/>
+          </a:prstGeom>
+        </p:spPr>
+        <p:txBody>
+          <a:bodyPr vert="horz" lIns="91440" tIns="45720" rIns="91440" bIns="45720" rtlCol="0"/>
+          <a:lstStyle>
+            <a:lvl1pPr algn="r">
+              <a:defRPr sz="1200"/>
+            </a:lvl1pPr>
+          </a:lstStyle>
+          <a:p>
+            <a:fld id="{88D014E7-BA28-4675-8362-3C90955B0189}" type="datetimeFigureOut">
+              <a:rPr lang="en-US" smtClean="0"/>
+              <a:t>5/8/2023</a:t>
+            </a:fld>
+            <a:endParaRPr lang="en-US"/>
+          </a:p>
+        </p:txBody>
+      </p:sp>
+      <p:sp>
+        <p:nvSpPr>
+          <p:cNvPr id="4" name="Slide Image Placeholder 3"/>
+          <p:cNvSpPr>
+            <a:spLocks noGrp="1" noRot="1" noChangeAspect="1"/>
+          </p:cNvSpPr>
+          <p:nvPr>
+            <p:ph type="sldImg" idx="2"/>
+          </p:nvPr>
+        </p:nvSpPr>
+        <p:spPr>
+          <a:xfrm>
+            <a:off x="685800" y="1143000"/>
+            <a:ext cx="5486400" cy="3086100"/>
+          </a:xfrm>
+          <a:prstGeom prst="rect">
+            <a:avLst/>
+          </a:prstGeom>
+          <a:noFill/>
+          <a:ln w="12700">
+            <a:solidFill>
+              <a:prstClr val="black"/>
+            </a:solidFill>
+          </a:ln>
+        </p:spPr>
+        <p:txBody>
+          <a:bodyPr vert="horz" lIns="91440" tIns="45720" rIns="91440" bIns="45720" rtlCol="0" anchor="ctr"/>
+          <a:lstStyle/>
+          <a:p>
+            <a:endParaRPr lang="en-US"/>
+          </a:p>
+        </p:txBody>
+      </p:sp>
+      <p:sp>
+        <p:nvSpPr>
+          <p:cNvPr id="5" name="Notes Placeholder 4"/>
+          <p:cNvSpPr>
+            <a:spLocks noGrp="1"/>
+          </p:cNvSpPr>
+          <p:nvPr>
+            <p:ph type="body" sz="quarter" idx="3"/>
+          </p:nvPr>
+        </p:nvSpPr>
+        <p:spPr>
+          <a:xfrm>
+            <a:off x="685800" y="4400550"/>
+            <a:ext cx="5486400" cy="3600450"/>
+          </a:xfrm>
+          <a:prstGeom prst="rect">
+            <a:avLst/>
+          </a:prstGeom>
+        </p:spPr>
+        <p:txBody>
+          <a:bodyPr vert="horz" lIns="91440" tIns="45720" rIns="91440" bIns="45720" rtlCol="0"/>
+          <a:lstStyle/>
+          <a:p>
+            <a:pPr lvl="0"/>
+            <a:r>
+              <a:rPr lang="en-US"/>
+              <a:t>Click to edit Master text styles</a:t>
+            </a:r>
+          </a:p>
+          <a:p>
+            <a:pPr lvl="1"/>
+            <a:r>
+              <a:rPr lang="en-US"/>
+              <a:t>Second level</a:t>
+            </a:r>
+          </a:p>
+          <a:p>
+            <a:pPr lvl="2"/>
+            <a:r>
+              <a:rPr lang="en-US"/>
+              <a:t>Third level</a:t>
+            </a:r>
+          </a:p>
+          <a:p>
+            <a:pPr lvl="3"/>
+            <a:r>
+              <a:rPr lang="en-US"/>
+              <a:t>Fourth level</a:t>
+            </a:r>
+          </a:p>
+          <a:p>
+            <a:pPr lvl="4"/>
+            <a:r>
+              <a:rPr lang="en-US"/>
+              <a:t>Fifth level</a:t>
+            </a:r>
+          </a:p>
+        </p:txBody>
+      </p:sp>
+      <p:sp>
+        <p:nvSpPr>
+          <p:cNvPr id="6" name="Footer Placeholder 5"/>
+          <p:cNvSpPr>
+            <a:spLocks noGrp="1"/>
+          </p:cNvSpPr>
+          <p:nvPr>
+            <p:ph type="ftr" sz="quarter" idx="4"/>
+          </p:nvPr>
+        </p:nvSpPr>
+        <p:spPr>
+          <a:xfrm>
+            <a:off x="0" y="8685213"/>
+            <a:ext cx="2971800" cy="458787"/>
+          </a:xfrm>
+          <a:prstGeom prst="rect">
+            <a:avLst/>
+          </a:prstGeom>
+        </p:spPr>
+        <p:txBody>
+          <a:bodyPr vert="horz" lIns="91440" tIns="45720" rIns="91440" bIns="45720" rtlCol="0" anchor="b"/>
+          <a:lstStyle>
+            <a:lvl1pPr algn="l">
+              <a:defRPr sz="1200"/>
+            </a:lvl1pPr>
+          </a:lstStyle>
+          <a:p>
+            <a:endParaRPr lang="en-US"/>
+          </a:p>
+        </p:txBody>
+      </p:sp>
+      <p:sp>
+        <p:nvSpPr>
+          <p:cNvPr id="7" name="Slide Number Placeholder 6"/>
+          <p:cNvSpPr>
+            <a:spLocks noGrp="1"/>
+          </p:cNvSpPr>
+          <p:nvPr>
+            <p:ph type="sldNum" sz="quarter" idx="5"/>
+          </p:nvPr>
+        </p:nvSpPr>
+        <p:spPr>
+          <a:xfrm>
+            <a:off x="3884613" y="8685213"/>
+            <a:ext cx="2971800" cy="458787"/>
+          </a:xfrm>
+          <a:prstGeom prst="rect">
+            <a:avLst/>
+          </a:prstGeom>
+        </p:spPr>
+        <p:txBody>
+          <a:bodyPr vert="horz" lIns="91440" tIns="45720" rIns="91440" bIns="45720" rtlCol="0" anchor="b"/>
+          <a:lstStyle>
+            <a:lvl1pPr algn="r">
+              <a:defRPr sz="1200"/>
+            </a:lvl1pPr>
+          </a:lstStyle>
+          <a:p>
+            <a:fld id="{73DA2B8E-1703-4952-AD8C-E323F5F8F0FF}" type="slidenum">
+              <a:rPr lang="en-US" smtClean="0"/>
+              <a:t>‹#›</a:t>
+            </a:fld>
+            <a:endParaRPr lang="en-US"/>
+          </a:p>
+        </p:txBody>
+      </p:sp>
+    </p:spTree>
+    <p:extLst>
+      <p:ext uri="{BB962C8B-B14F-4D97-AF65-F5344CB8AC3E}">
+        <p14:creationId xmlns:p14="http://schemas.microsoft.com/office/powerpoint/2010/main" val="2861163240"/>
+      </p:ext>
+    </p:extLst>
+  </p:cSld>
+  <p:clrMap bg1="lt1" tx1="dk1" bg2="lt2" tx2="dk2" accent1="accent1" accent2="accent2" accent3="accent3" accent4="accent4" accent5="accent5" accent6="accent6" hlink="hlink" folHlink="folHlink"/>
+  <p:notesStyle>
+    <a:lvl1pPr marL="0" algn="l" defTabSz="914400" rtl="0" eaLnBrk="1" latinLnBrk="0" hangingPunct="1">
+      <a:defRPr sz="1200" kern="1200">
+        <a:solidFill>
+          <a:schemeClr val="tx1"/>
+        </a:solidFill>
+        <a:latin typeface="+mn-lt"/>
+        <a:ea typeface="+mn-ea"/>
+        <a:cs typeface="+mn-cs"/>
+      </a:defRPr>
+    </a:lvl1pPr>
+    <a:lvl2pPr marL="457200" algn="l" defTabSz="914400" rtl="0" eaLnBrk="1" latinLnBrk="0" hangingPunct="1">
+      <a:defRPr sz="1200" kern="1200">
+        <a:solidFill>
+          <a:schemeClr val="tx1"/>
+        </a:solidFill>
+        <a:latin typeface="+mn-lt"/>
+        <a:ea typeface="+mn-ea"/>
+        <a:cs typeface="+mn-cs"/>
+      </a:defRPr>
+    </a:lvl2pPr>
+    <a:lvl3pPr marL="914400" algn="l" defTabSz="914400" rtl="0" eaLnBrk="1" latinLnBrk="0" hangingPunct="1">
+      <a:defRPr sz="1200" kern="1200">
+        <a:solidFill>
+          <a:schemeClr val="tx1"/>
+        </a:solidFill>
+        <a:latin typeface="+mn-lt"/>
+        <a:ea typeface="+mn-ea"/>
+        <a:cs typeface="+mn-cs"/>
+      </a:defRPr>
+    </a:lvl3pPr>
+    <a:lvl4pPr marL="1371600" algn="l" defTabSz="914400" rtl="0" eaLnBrk="1" latinLnBrk="0" hangingPunct="1">
+      <a:defRPr sz="1200" kern="1200">
+        <a:solidFill>
+          <a:schemeClr val="tx1"/>
+        </a:solidFill>
+        <a:latin typeface="+mn-lt"/>
+        <a:ea typeface="+mn-ea"/>
+        <a:cs typeface="+mn-cs"/>
+      </a:defRPr>
+    </a:lvl4pPr>
+    <a:lvl5pPr marL="1828800" algn="l" defTabSz="914400" rtl="0" eaLnBrk="1" latinLnBrk="0" hangingPunct="1">
+      <a:defRPr sz="1200" kern="1200">
+        <a:solidFill>
+          <a:schemeClr val="tx1"/>
+        </a:solidFill>
+        <a:latin typeface="+mn-lt"/>
+        <a:ea typeface="+mn-ea"/>
+        <a:cs typeface="+mn-cs"/>
+      </a:defRPr>
+    </a:lvl5pPr>
+    <a:lvl6pPr marL="2286000" algn="l" defTabSz="914400" rtl="0" eaLnBrk="1" latinLnBrk="0" hangingPunct="1">
+      <a:defRPr sz="1200" kern="1200">
+        <a:solidFill>
+          <a:schemeClr val="tx1"/>
+        </a:solidFill>
+        <a:latin typeface="+mn-lt"/>
+        <a:ea typeface="+mn-ea"/>
+        <a:cs typeface="+mn-cs"/>
+      </a:defRPr>
+    </a:lvl6pPr>
+    <a:lvl7pPr marL="2743200" algn="l" defTabSz="914400" rtl="0" eaLnBrk="1" latinLnBrk="0" hangingPunct="1">
+      <a:defRPr sz="1200" kern="1200">
+        <a:solidFill>
+          <a:schemeClr val="tx1"/>
+        </a:solidFill>
+        <a:latin typeface="+mn-lt"/>
+        <a:ea typeface="+mn-ea"/>
+        <a:cs typeface="+mn-cs"/>
+      </a:defRPr>
+    </a:lvl7pPr>
+    <a:lvl8pPr marL="3200400" algn="l" defTabSz="914400" rtl="0" eaLnBrk="1" latinLnBrk="0" hangingPunct="1">
+      <a:defRPr sz="1200" kern="1200">
+        <a:solidFill>
+          <a:schemeClr val="tx1"/>
+        </a:solidFill>
+        <a:latin typeface="+mn-lt"/>
+        <a:ea typeface="+mn-ea"/>
+        <a:cs typeface="+mn-cs"/>
+      </a:defRPr>
+    </a:lvl8pPr>
+    <a:lvl9pPr marL="3657600" algn="l" defTabSz="914400" rtl="0" eaLnBrk="1" latinLnBrk="0" hangingPunct="1">
+      <a:defRPr sz="1200" kern="1200">
+        <a:solidFill>
+          <a:schemeClr val="tx1"/>
+        </a:solidFill>
+        <a:latin typeface="+mn-lt"/>
+        <a:ea typeface="+mn-ea"/>
+        <a:cs typeface="+mn-cs"/>
+      </a:defRPr>
+    </a:lvl9pPr>
+  </p:notesStyle>
+</p:notesMaster>
+</file>
+
+<file path=ppt/notesSlides/notesSlide1.xml><?xml version="1.0" encoding="utf-8"?>
+<p:notes xmlns:a="http://schemas.openxmlformats.org/drawingml/2006/main" xmlns:r="http://schemas.openxmlformats.org/officeDocument/2006/relationships" xmlns:p="http://schemas.openxmlformats.org/presentationml/2006/main">
+  <p:cSld>
+    <p:spTree>
+      <p:nvGrpSpPr>
+        <p:cNvPr id="1" name=""/>
+        <p:cNvGrpSpPr/>
+        <p:nvPr/>
+      </p:nvGrpSpPr>
+      <p:grpSpPr>
+        <a:xfrm>
+          <a:off x="0" y="0"/>
+          <a:ext cx="0" cy="0"/>
+          <a:chOff x="0" y="0"/>
+          <a:chExt cx="0" cy="0"/>
+        </a:xfrm>
+      </p:grpSpPr>
+      <p:sp>
+        <p:nvSpPr>
+          <p:cNvPr id="2" name="Slide Image Placeholder 1"/>
+          <p:cNvSpPr>
+            <a:spLocks noGrp="1" noRot="1" noChangeAspect="1"/>
+          </p:cNvSpPr>
+          <p:nvPr>
+            <p:ph type="sldImg"/>
+          </p:nvPr>
+        </p:nvSpPr>
+        <p:spPr/>
+      </p:sp>
+      <p:sp>
+        <p:nvSpPr>
+          <p:cNvPr id="3" name="Notes Placeholder 2"/>
+          <p:cNvSpPr>
+            <a:spLocks noGrp="1"/>
+          </p:cNvSpPr>
+          <p:nvPr>
+            <p:ph type="body" idx="1"/>
+          </p:nvPr>
+        </p:nvSpPr>
+        <p:spPr/>
+        <p:txBody>
+          <a:bodyPr/>
+          <a:lstStyle/>
+          <a:p>
+            <a:endParaRPr lang="en-US"/>
+          </a:p>
+        </p:txBody>
+      </p:sp>
+      <p:sp>
+        <p:nvSpPr>
+          <p:cNvPr id="4" name="Slide Number Placeholder 3"/>
+          <p:cNvSpPr>
+            <a:spLocks noGrp="1"/>
+          </p:cNvSpPr>
+          <p:nvPr>
+            <p:ph type="sldNum" sz="quarter" idx="5"/>
+          </p:nvPr>
+        </p:nvSpPr>
+        <p:spPr/>
+        <p:txBody>
+          <a:bodyPr/>
+          <a:lstStyle/>
+          <a:p>
+            <a:fld id="{73DA2B8E-1703-4952-AD8C-E323F5F8F0FF}" type="slidenum">
+              <a:rPr lang="en-US" smtClean="0"/>
+              <a:t>2</a:t>
+            </a:fld>
+            <a:endParaRPr lang="en-US"/>
+          </a:p>
+        </p:txBody>
+      </p:sp>
+    </p:spTree>
+    <p:extLst>
+      <p:ext uri="{BB962C8B-B14F-4D97-AF65-F5344CB8AC3E}">
+        <p14:creationId xmlns:p14="http://schemas.microsoft.com/office/powerpoint/2010/main" val="1822350993"/>
+      </p:ext>
+    </p:extLst>
+  </p:cSld>
+  <p:clrMapOvr>
+    <a:masterClrMapping/>
+  </p:clrMapOvr>
+</p:notes>
+</file>
+
+<file path=ppt/notesSlides/notesSlide2.xml><?xml version="1.0" encoding="utf-8"?>
+<p:notes xmlns:a="http://schemas.openxmlformats.org/drawingml/2006/main" xmlns:r="http://schemas.openxmlformats.org/officeDocument/2006/relationships" xmlns:p="http://schemas.openxmlformats.org/presentationml/2006/main">
+  <p:cSld>
+    <p:spTree>
+      <p:nvGrpSpPr>
+        <p:cNvPr id="1" name=""/>
+        <p:cNvGrpSpPr/>
+        <p:nvPr/>
+      </p:nvGrpSpPr>
+      <p:grpSpPr>
+        <a:xfrm>
+          <a:off x="0" y="0"/>
+          <a:ext cx="0" cy="0"/>
+          <a:chOff x="0" y="0"/>
+          <a:chExt cx="0" cy="0"/>
+        </a:xfrm>
+      </p:grpSpPr>
+      <p:sp>
+        <p:nvSpPr>
+          <p:cNvPr id="2" name="Slide Image Placeholder 1"/>
+          <p:cNvSpPr>
+            <a:spLocks noGrp="1" noRot="1" noChangeAspect="1"/>
+          </p:cNvSpPr>
+          <p:nvPr>
+            <p:ph type="sldImg"/>
+          </p:nvPr>
+        </p:nvSpPr>
+        <p:spPr/>
+      </p:sp>
+      <p:sp>
+        <p:nvSpPr>
+          <p:cNvPr id="3" name="Notes Placeholder 2"/>
+          <p:cNvSpPr>
+            <a:spLocks noGrp="1"/>
+          </p:cNvSpPr>
+          <p:nvPr>
+            <p:ph type="body" idx="1"/>
+          </p:nvPr>
+        </p:nvSpPr>
+        <p:spPr/>
+        <p:txBody>
+          <a:bodyPr/>
+          <a:lstStyle/>
+          <a:p>
+            <a:pPr marL="241300" marR="666750" indent="-229235">
+              <a:lnSpc>
+                <a:spcPts val="2590"/>
+              </a:lnSpc>
+              <a:spcBef>
+                <a:spcPts val="425"/>
+              </a:spcBef>
+              <a:buFont typeface="Arial MT"/>
+              <a:buChar char="•"/>
+              <a:tabLst>
+                <a:tab pos="241935" algn="l"/>
+              </a:tabLst>
+            </a:pPr>
+            <a:r>
+              <a:rPr lang="en-US" sz="1200" spc="-45" dirty="0">
+                <a:latin typeface="Calibri Light" panose="020F0302020204030204" pitchFamily="34" charset="0"/>
+                <a:ea typeface="Calibri Light" panose="020F0302020204030204" pitchFamily="34" charset="0"/>
+                <a:cs typeface="Calibri Light" panose="020F0302020204030204" pitchFamily="34" charset="0"/>
+              </a:rPr>
+              <a:t>7 features </a:t>
+            </a:r>
+            <a:r>
+              <a:rPr lang="en-US" sz="1200" spc="-45" dirty="0" err="1">
+                <a:latin typeface="Calibri Light" panose="020F0302020204030204" pitchFamily="34" charset="0"/>
+                <a:ea typeface="Calibri Light" panose="020F0302020204030204" pitchFamily="34" charset="0"/>
+                <a:cs typeface="Calibri Light" panose="020F0302020204030204" pitchFamily="34" charset="0"/>
+              </a:rPr>
+              <a:t>numéricas</a:t>
+            </a:r>
+            <a:endParaRPr lang="en-US" sz="1200" spc="-45" dirty="0">
+              <a:latin typeface="Calibri Light" panose="020F0302020204030204" pitchFamily="34" charset="0"/>
+              <a:ea typeface="Calibri Light" panose="020F0302020204030204" pitchFamily="34" charset="0"/>
+              <a:cs typeface="Calibri Light" panose="020F0302020204030204" pitchFamily="34" charset="0"/>
+            </a:endParaRPr>
+          </a:p>
+          <a:p>
+            <a:pPr marL="241300" marR="666750" indent="-229235">
+              <a:lnSpc>
+                <a:spcPts val="2590"/>
+              </a:lnSpc>
+              <a:spcBef>
+                <a:spcPts val="425"/>
+              </a:spcBef>
+              <a:buFont typeface="Arial MT"/>
+              <a:buChar char="•"/>
+              <a:tabLst>
+                <a:tab pos="241935" algn="l"/>
+              </a:tabLst>
+            </a:pPr>
+            <a:r>
+              <a:rPr lang="en-US" sz="1200" spc="-45" dirty="0">
+                <a:latin typeface="Calibri Light" panose="020F0302020204030204" pitchFamily="34" charset="0"/>
+                <a:ea typeface="Calibri Light" panose="020F0302020204030204" pitchFamily="34" charset="0"/>
+                <a:cs typeface="Calibri Light" panose="020F0302020204030204" pitchFamily="34" charset="0"/>
+              </a:rPr>
+              <a:t>4 features </a:t>
+            </a:r>
+            <a:r>
+              <a:rPr lang="en-US" sz="1200" spc="-45" dirty="0" err="1">
+                <a:latin typeface="Calibri Light" panose="020F0302020204030204" pitchFamily="34" charset="0"/>
+                <a:ea typeface="Calibri Light" panose="020F0302020204030204" pitchFamily="34" charset="0"/>
+                <a:cs typeface="Calibri Light" panose="020F0302020204030204" pitchFamily="34" charset="0"/>
+              </a:rPr>
+              <a:t>categóricas</a:t>
+            </a:r>
+            <a:r>
+              <a:rPr lang="en-US" sz="1200" spc="-45" dirty="0">
+                <a:latin typeface="Calibri Light" panose="020F0302020204030204" pitchFamily="34" charset="0"/>
+                <a:ea typeface="Calibri Light" panose="020F0302020204030204" pitchFamily="34" charset="0"/>
+                <a:cs typeface="Calibri Light" panose="020F0302020204030204" pitchFamily="34" charset="0"/>
+              </a:rPr>
+              <a:t> </a:t>
+            </a:r>
+            <a:r>
+              <a:rPr lang="en-US" sz="1200" spc="-45" dirty="0" err="1">
+                <a:latin typeface="Calibri Light" panose="020F0302020204030204" pitchFamily="34" charset="0"/>
+                <a:ea typeface="Calibri Light" panose="020F0302020204030204" pitchFamily="34" charset="0"/>
+                <a:cs typeface="Calibri Light" panose="020F0302020204030204" pitchFamily="34" charset="0"/>
+              </a:rPr>
+              <a:t>binárias</a:t>
+            </a:r>
+            <a:endParaRPr lang="en-US" sz="1200" spc="-45" dirty="0">
+              <a:latin typeface="Calibri Light" panose="020F0302020204030204" pitchFamily="34" charset="0"/>
+              <a:ea typeface="Calibri Light" panose="020F0302020204030204" pitchFamily="34" charset="0"/>
+              <a:cs typeface="Calibri Light" panose="020F0302020204030204" pitchFamily="34" charset="0"/>
+            </a:endParaRPr>
+          </a:p>
+          <a:p>
+            <a:pPr marL="241300" marR="666750" indent="-229235">
+              <a:lnSpc>
+                <a:spcPts val="2590"/>
+              </a:lnSpc>
+              <a:spcBef>
+                <a:spcPts val="425"/>
+              </a:spcBef>
+              <a:buFont typeface="Arial MT"/>
+              <a:buChar char="•"/>
+              <a:tabLst>
+                <a:tab pos="241935" algn="l"/>
+              </a:tabLst>
+            </a:pPr>
+            <a:r>
+              <a:rPr lang="en-US" sz="1200" spc="-45" dirty="0">
+                <a:latin typeface="Calibri Light" panose="020F0302020204030204" pitchFamily="34" charset="0"/>
+                <a:ea typeface="Calibri Light" panose="020F0302020204030204" pitchFamily="34" charset="0"/>
+                <a:cs typeface="Calibri Light" panose="020F0302020204030204" pitchFamily="34" charset="0"/>
+              </a:rPr>
+              <a:t>6 features </a:t>
+            </a:r>
+            <a:r>
+              <a:rPr lang="en-US" sz="1200" spc="-45" dirty="0" err="1">
+                <a:latin typeface="Calibri Light" panose="020F0302020204030204" pitchFamily="34" charset="0"/>
+                <a:ea typeface="Calibri Light" panose="020F0302020204030204" pitchFamily="34" charset="0"/>
+                <a:cs typeface="Calibri Light" panose="020F0302020204030204" pitchFamily="34" charset="0"/>
+              </a:rPr>
+              <a:t>categóricas</a:t>
+            </a:r>
+            <a:r>
+              <a:rPr lang="en-US" sz="1200" spc="-45" dirty="0">
+                <a:latin typeface="Calibri Light" panose="020F0302020204030204" pitchFamily="34" charset="0"/>
+                <a:ea typeface="Calibri Light" panose="020F0302020204030204" pitchFamily="34" charset="0"/>
+                <a:cs typeface="Calibri Light" panose="020F0302020204030204" pitchFamily="34" charset="0"/>
+              </a:rPr>
+              <a:t> </a:t>
+            </a:r>
+            <a:r>
+              <a:rPr lang="en-US" sz="1200" spc="-45" dirty="0" err="1">
+                <a:latin typeface="Calibri Light" panose="020F0302020204030204" pitchFamily="34" charset="0"/>
+                <a:ea typeface="Calibri Light" panose="020F0302020204030204" pitchFamily="34" charset="0"/>
+                <a:cs typeface="Calibri Light" panose="020F0302020204030204" pitchFamily="34" charset="0"/>
+              </a:rPr>
+              <a:t>nominais</a:t>
+            </a:r>
+            <a:endParaRPr lang="en-US" sz="1200" spc="-45" dirty="0">
+              <a:latin typeface="Calibri Light" panose="020F0302020204030204" pitchFamily="34" charset="0"/>
+              <a:ea typeface="Calibri Light" panose="020F0302020204030204" pitchFamily="34" charset="0"/>
+              <a:cs typeface="Calibri Light" panose="020F0302020204030204" pitchFamily="34" charset="0"/>
+            </a:endParaRPr>
+          </a:p>
+          <a:p>
+            <a:endParaRPr lang="en-US" dirty="0"/>
+          </a:p>
+          <a:p>
+            <a:r>
+              <a:rPr lang="en-US" dirty="0"/>
+              <a:t>“duration” é um </a:t>
+            </a:r>
+            <a:r>
+              <a:rPr lang="en-US" dirty="0" err="1"/>
+              <a:t>exemplo</a:t>
+            </a:r>
+            <a:r>
+              <a:rPr lang="en-US" dirty="0"/>
+              <a:t> de “data leakage”, </a:t>
+            </a:r>
+            <a:r>
+              <a:rPr lang="en-US" dirty="0" err="1"/>
+              <a:t>porque</a:t>
+            </a:r>
+            <a:r>
+              <a:rPr lang="en-US" dirty="0"/>
+              <a:t> </a:t>
+            </a:r>
+            <a:r>
+              <a:rPr lang="pt-PT" dirty="0"/>
+              <a:t>é um dado que não estará disponível num cenário real para fazer as previsões.</a:t>
+            </a:r>
+            <a:endParaRPr lang="en-US" dirty="0"/>
+          </a:p>
+        </p:txBody>
+      </p:sp>
+      <p:sp>
+        <p:nvSpPr>
+          <p:cNvPr id="4" name="Slide Number Placeholder 3"/>
+          <p:cNvSpPr>
+            <a:spLocks noGrp="1"/>
+          </p:cNvSpPr>
+          <p:nvPr>
+            <p:ph type="sldNum" sz="quarter" idx="5"/>
+          </p:nvPr>
+        </p:nvSpPr>
+        <p:spPr/>
+        <p:txBody>
+          <a:bodyPr/>
+          <a:lstStyle/>
+          <a:p>
+            <a:fld id="{73DA2B8E-1703-4952-AD8C-E323F5F8F0FF}" type="slidenum">
+              <a:rPr lang="en-US" smtClean="0"/>
+              <a:t>3</a:t>
+            </a:fld>
+            <a:endParaRPr lang="en-US"/>
+          </a:p>
+        </p:txBody>
+      </p:sp>
+    </p:spTree>
+    <p:extLst>
+      <p:ext uri="{BB962C8B-B14F-4D97-AF65-F5344CB8AC3E}">
+        <p14:creationId xmlns:p14="http://schemas.microsoft.com/office/powerpoint/2010/main" val="2874313285"/>
+      </p:ext>
+    </p:extLst>
+  </p:cSld>
+  <p:clrMapOvr>
+    <a:masterClrMapping/>
+  </p:clrMapOvr>
+</p:notes>
+</file>
+
+<file path=ppt/notesSlides/notesSlide3.xml><?xml version="1.0" encoding="utf-8"?>
+<p:notes xmlns:a="http://schemas.openxmlformats.org/drawingml/2006/main" xmlns:r="http://schemas.openxmlformats.org/officeDocument/2006/relationships" xmlns:p="http://schemas.openxmlformats.org/presentationml/2006/main">
+  <p:cSld>
+    <p:spTree>
+      <p:nvGrpSpPr>
+        <p:cNvPr id="1" name=""/>
+        <p:cNvGrpSpPr/>
+        <p:nvPr/>
+      </p:nvGrpSpPr>
+      <p:grpSpPr>
+        <a:xfrm>
+          <a:off x="0" y="0"/>
+          <a:ext cx="0" cy="0"/>
+          <a:chOff x="0" y="0"/>
+          <a:chExt cx="0" cy="0"/>
+        </a:xfrm>
+      </p:grpSpPr>
+      <p:sp>
+        <p:nvSpPr>
+          <p:cNvPr id="2" name="Slide Image Placeholder 1"/>
+          <p:cNvSpPr>
+            <a:spLocks noGrp="1" noRot="1" noChangeAspect="1"/>
+          </p:cNvSpPr>
+          <p:nvPr>
+            <p:ph type="sldImg"/>
+          </p:nvPr>
+        </p:nvSpPr>
+        <p:spPr/>
+      </p:sp>
+      <p:sp>
+        <p:nvSpPr>
+          <p:cNvPr id="3" name="Notes Placeholder 2"/>
+          <p:cNvSpPr>
+            <a:spLocks noGrp="1"/>
+          </p:cNvSpPr>
+          <p:nvPr>
+            <p:ph type="body" idx="1"/>
+          </p:nvPr>
+        </p:nvSpPr>
+        <p:spPr/>
+        <p:txBody>
+          <a:bodyPr/>
+          <a:lstStyle/>
+          <a:p>
+            <a:endParaRPr lang="en-US" dirty="0"/>
+          </a:p>
+        </p:txBody>
+      </p:sp>
+      <p:sp>
+        <p:nvSpPr>
+          <p:cNvPr id="4" name="Slide Number Placeholder 3"/>
+          <p:cNvSpPr>
+            <a:spLocks noGrp="1"/>
+          </p:cNvSpPr>
+          <p:nvPr>
+            <p:ph type="sldNum" sz="quarter" idx="5"/>
+          </p:nvPr>
+        </p:nvSpPr>
+        <p:spPr/>
+        <p:txBody>
+          <a:bodyPr/>
+          <a:lstStyle/>
+          <a:p>
+            <a:fld id="{73DA2B8E-1703-4952-AD8C-E323F5F8F0FF}" type="slidenum">
+              <a:rPr lang="en-US" smtClean="0"/>
+              <a:t>5</a:t>
+            </a:fld>
+            <a:endParaRPr lang="en-US"/>
+          </a:p>
+        </p:txBody>
+      </p:sp>
+    </p:spTree>
+    <p:extLst>
+      <p:ext uri="{BB962C8B-B14F-4D97-AF65-F5344CB8AC3E}">
+        <p14:creationId xmlns:p14="http://schemas.microsoft.com/office/powerpoint/2010/main" val="2251716726"/>
+      </p:ext>
+    </p:extLst>
+  </p:cSld>
+  <p:clrMapOvr>
+    <a:masterClrMapping/>
+  </p:clrMapOvr>
+</p:notes>
+</file>
+
+<file path=ppt/notesSlides/notesSlide4.xml><?xml version="1.0" encoding="utf-8"?>
+<p:notes xmlns:a="http://schemas.openxmlformats.org/drawingml/2006/main" xmlns:r="http://schemas.openxmlformats.org/officeDocument/2006/relationships" xmlns:p="http://schemas.openxmlformats.org/presentationml/2006/main">
+  <p:cSld>
+    <p:spTree>
+      <p:nvGrpSpPr>
+        <p:cNvPr id="1" name=""/>
+        <p:cNvGrpSpPr/>
+        <p:nvPr/>
+      </p:nvGrpSpPr>
+      <p:grpSpPr>
+        <a:xfrm>
+          <a:off x="0" y="0"/>
+          <a:ext cx="0" cy="0"/>
+          <a:chOff x="0" y="0"/>
+          <a:chExt cx="0" cy="0"/>
+        </a:xfrm>
+      </p:grpSpPr>
+      <p:sp>
+        <p:nvSpPr>
+          <p:cNvPr id="2" name="Slide Image Placeholder 1"/>
+          <p:cNvSpPr>
+            <a:spLocks noGrp="1" noRot="1" noChangeAspect="1"/>
+          </p:cNvSpPr>
+          <p:nvPr>
+            <p:ph type="sldImg"/>
+          </p:nvPr>
+        </p:nvSpPr>
+        <p:spPr/>
+      </p:sp>
+      <p:sp>
+        <p:nvSpPr>
+          <p:cNvPr id="3" name="Notes Placeholder 2"/>
+          <p:cNvSpPr>
+            <a:spLocks noGrp="1"/>
+          </p:cNvSpPr>
+          <p:nvPr>
+            <p:ph type="body" idx="1"/>
+          </p:nvPr>
+        </p:nvSpPr>
+        <p:spPr/>
+        <p:txBody>
+          <a:bodyPr/>
+          <a:lstStyle/>
+          <a:p>
+            <a:endParaRPr lang="en-US" dirty="0"/>
+          </a:p>
+        </p:txBody>
+      </p:sp>
+      <p:sp>
+        <p:nvSpPr>
+          <p:cNvPr id="4" name="Slide Number Placeholder 3"/>
+          <p:cNvSpPr>
+            <a:spLocks noGrp="1"/>
+          </p:cNvSpPr>
+          <p:nvPr>
+            <p:ph type="sldNum" sz="quarter" idx="5"/>
+          </p:nvPr>
+        </p:nvSpPr>
+        <p:spPr/>
+        <p:txBody>
+          <a:bodyPr/>
+          <a:lstStyle/>
+          <a:p>
+            <a:fld id="{73DA2B8E-1703-4952-AD8C-E323F5F8F0FF}" type="slidenum">
+              <a:rPr lang="en-US" smtClean="0"/>
+              <a:t>6</a:t>
+            </a:fld>
+            <a:endParaRPr lang="en-US"/>
+          </a:p>
+        </p:txBody>
+      </p:sp>
+    </p:spTree>
+    <p:extLst>
+      <p:ext uri="{BB962C8B-B14F-4D97-AF65-F5344CB8AC3E}">
+        <p14:creationId xmlns:p14="http://schemas.microsoft.com/office/powerpoint/2010/main" val="3048669411"/>
+      </p:ext>
+    </p:extLst>
+  </p:cSld>
+  <p:clrMapOvr>
+    <a:masterClrMapping/>
+  </p:clrMapOvr>
+</p:notes>
 </file>
 
 <file path=ppt/slideLayouts/slideLayout1.xml><?xml version="1.0" encoding="utf-8"?>
@@ -255,7 +1119,7 @@
           <a:p>
             <a:fld id="{E684F710-4C14-4116-B6D6-FC08D8346482}" type="datetimeFigureOut">
               <a:rPr lang="en-US" smtClean="0"/>
-              <a:t>5/7/2023</a:t>
+              <a:t>5/8/2023</a:t>
             </a:fld>
             <a:endParaRPr lang="en-US"/>
           </a:p>
@@ -453,7 +1317,7 @@
           <a:p>
             <a:fld id="{E684F710-4C14-4116-B6D6-FC08D8346482}" type="datetimeFigureOut">
               <a:rPr lang="en-US" smtClean="0"/>
-              <a:t>5/7/2023</a:t>
+              <a:t>5/8/2023</a:t>
             </a:fld>
             <a:endParaRPr lang="en-US"/>
           </a:p>
@@ -661,7 +1525,7 @@
           <a:p>
             <a:fld id="{E684F710-4C14-4116-B6D6-FC08D8346482}" type="datetimeFigureOut">
               <a:rPr lang="en-US" smtClean="0"/>
-              <a:t>5/7/2023</a:t>
+              <a:t>5/8/2023</a:t>
             </a:fld>
             <a:endParaRPr lang="en-US"/>
           </a:p>
@@ -859,7 +1723,7 @@
           <a:p>
             <a:fld id="{E684F710-4C14-4116-B6D6-FC08D8346482}" type="datetimeFigureOut">
               <a:rPr lang="en-US" smtClean="0"/>
-              <a:t>5/7/2023</a:t>
+              <a:t>5/8/2023</a:t>
             </a:fld>
             <a:endParaRPr lang="en-US"/>
           </a:p>
@@ -1134,7 +1998,7 @@
           <a:p>
             <a:fld id="{E684F710-4C14-4116-B6D6-FC08D8346482}" type="datetimeFigureOut">
               <a:rPr lang="en-US" smtClean="0"/>
-              <a:t>5/7/2023</a:t>
+              <a:t>5/8/2023</a:t>
             </a:fld>
             <a:endParaRPr lang="en-US"/>
           </a:p>
@@ -1399,7 +2263,7 @@
           <a:p>
             <a:fld id="{E684F710-4C14-4116-B6D6-FC08D8346482}" type="datetimeFigureOut">
               <a:rPr lang="en-US" smtClean="0"/>
-              <a:t>5/7/2023</a:t>
+              <a:t>5/8/2023</a:t>
             </a:fld>
             <a:endParaRPr lang="en-US"/>
           </a:p>
@@ -1811,7 +2675,7 @@
           <a:p>
             <a:fld id="{E684F710-4C14-4116-B6D6-FC08D8346482}" type="datetimeFigureOut">
               <a:rPr lang="en-US" smtClean="0"/>
-              <a:t>5/7/2023</a:t>
+              <a:t>5/8/2023</a:t>
             </a:fld>
             <a:endParaRPr lang="en-US"/>
           </a:p>
@@ -1952,7 +2816,7 @@
           <a:p>
             <a:fld id="{E684F710-4C14-4116-B6D6-FC08D8346482}" type="datetimeFigureOut">
               <a:rPr lang="en-US" smtClean="0"/>
-              <a:t>5/7/2023</a:t>
+              <a:t>5/8/2023</a:t>
             </a:fld>
             <a:endParaRPr lang="en-US"/>
           </a:p>
@@ -2065,7 +2929,7 @@
           <a:p>
             <a:fld id="{E684F710-4C14-4116-B6D6-FC08D8346482}" type="datetimeFigureOut">
               <a:rPr lang="en-US" smtClean="0"/>
-              <a:t>5/7/2023</a:t>
+              <a:t>5/8/2023</a:t>
             </a:fld>
             <a:endParaRPr lang="en-US"/>
           </a:p>
@@ -2376,7 +3240,7 @@
           <a:p>
             <a:fld id="{E684F710-4C14-4116-B6D6-FC08D8346482}" type="datetimeFigureOut">
               <a:rPr lang="en-US" smtClean="0"/>
-              <a:t>5/7/2023</a:t>
+              <a:t>5/8/2023</a:t>
             </a:fld>
             <a:endParaRPr lang="en-US"/>
           </a:p>
@@ -2664,7 +3528,7 @@
           <a:p>
             <a:fld id="{E684F710-4C14-4116-B6D6-FC08D8346482}" type="datetimeFigureOut">
               <a:rPr lang="en-US" smtClean="0"/>
-              <a:t>5/7/2023</a:t>
+              <a:t>5/8/2023</a:t>
             </a:fld>
             <a:endParaRPr lang="en-US"/>
           </a:p>
@@ -2905,7 +3769,7 @@
           <a:p>
             <a:fld id="{E684F710-4C14-4116-B6D6-FC08D8346482}" type="datetimeFigureOut">
               <a:rPr lang="en-US" smtClean="0"/>
-              <a:t>5/7/2023</a:t>
+              <a:t>5/8/2023</a:t>
             </a:fld>
             <a:endParaRPr lang="en-US"/>
           </a:p>
@@ -3330,8 +4194,8 @@
         </p:nvSpPr>
         <p:spPr>
           <a:xfrm>
-            <a:off x="2888993" y="2229633"/>
-            <a:ext cx="6428105" cy="2398734"/>
+            <a:off x="1811272" y="2229633"/>
+            <a:ext cx="8562974" cy="2398734"/>
           </a:xfrm>
           <a:prstGeom prst="rect">
             <a:avLst/>
@@ -3495,13 +4359,13 @@
               </a:lnSpc>
             </a:pPr>
             <a:r>
-              <a:rPr lang="pt-PT" sz="3600" b="1" dirty="0">
+              <a:rPr lang="pt-PT" sz="4400" b="1" dirty="0">
                 <a:latin typeface="Calibri"/>
                 <a:cs typeface="Calibri"/>
               </a:rPr>
               <a:t>BANK MARKETING DATASET</a:t>
             </a:r>
-            <a:endParaRPr sz="3600" dirty="0">
+            <a:endParaRPr sz="4400" b="1" dirty="0">
               <a:latin typeface="Calibri"/>
               <a:cs typeface="Calibri"/>
             </a:endParaRPr>
@@ -3675,14 +4539,14 @@
           <p:nvPr>
             <p:extLst>
               <p:ext uri="{D42A27DB-BD31-4B8C-83A1-F6EECF244321}">
-                <p14:modId xmlns:p14="http://schemas.microsoft.com/office/powerpoint/2010/main" val="1182165860"/>
+                <p14:modId xmlns:p14="http://schemas.microsoft.com/office/powerpoint/2010/main" val="3673856614"/>
               </p:ext>
             </p:extLst>
           </p:nvPr>
         </p:nvGraphicFramePr>
         <p:xfrm>
-          <a:off x="2775837" y="4986218"/>
-          <a:ext cx="6633844" cy="740663"/>
+          <a:off x="3173856" y="4986218"/>
+          <a:ext cx="5837806" cy="740663"/>
         </p:xfrm>
         <a:graphic>
           <a:graphicData uri="http://schemas.openxmlformats.org/drawingml/2006/table">
@@ -3691,14 +4555,14 @@
                 <a:tableStyleId>{2D5ABB26-0587-4C30-8999-92F81FD0307C}</a:tableStyleId>
               </a:tblPr>
               <a:tblGrid>
-                <a:gridCol w="4532630">
+                <a:gridCol w="3988730">
                   <a:extLst>
                     <a:ext uri="{9D8B030D-6E8A-4147-A177-3AD203B41FA5}">
                       <a16:colId xmlns:a16="http://schemas.microsoft.com/office/drawing/2014/main" val="20000"/>
                     </a:ext>
                   </a:extLst>
                 </a:gridCol>
-                <a:gridCol w="2101214">
+                <a:gridCol w="1849076">
                   <a:extLst>
                     <a:ext uri="{9D8B030D-6E8A-4147-A177-3AD203B41FA5}">
                       <a16:colId xmlns:a16="http://schemas.microsoft.com/office/drawing/2014/main" val="20001"/>
@@ -4166,10 +5030,2808 @@
           </a:p>
         </p:txBody>
       </p:sp>
+      <p:sp>
+        <p:nvSpPr>
+          <p:cNvPr id="3" name="object 2">
+            <a:extLst>
+              <a:ext uri="{FF2B5EF4-FFF2-40B4-BE49-F238E27FC236}">
+                <a16:creationId xmlns:a16="http://schemas.microsoft.com/office/drawing/2014/main" id="{69929AF8-EAB6-E614-5662-33E49E04993D}"/>
+              </a:ext>
+            </a:extLst>
+          </p:cNvPr>
+          <p:cNvSpPr txBox="1">
+            <a:spLocks/>
+          </p:cNvSpPr>
+          <p:nvPr/>
+        </p:nvSpPr>
+        <p:spPr>
+          <a:xfrm>
+            <a:off x="0" y="609676"/>
+            <a:ext cx="12192000" cy="697230"/>
+          </a:xfrm>
+          <a:prstGeom prst="rect">
+            <a:avLst/>
+          </a:prstGeom>
+        </p:spPr>
+        <p:txBody>
+          <a:bodyPr vert="horz" wrap="square" lIns="0" tIns="13335" rIns="0" bIns="0" rtlCol="0">
+            <a:spAutoFit/>
+          </a:bodyPr>
+          <a:lstStyle>
+            <a:lvl1pPr algn="l" defTabSz="914400" rtl="0" eaLnBrk="1" latinLnBrk="0" hangingPunct="1">
+              <a:lnSpc>
+                <a:spcPct val="90000"/>
+              </a:lnSpc>
+              <a:spcBef>
+                <a:spcPct val="0"/>
+              </a:spcBef>
+              <a:buNone/>
+              <a:defRPr sz="4400" kern="1200">
+                <a:solidFill>
+                  <a:schemeClr val="tx1"/>
+                </a:solidFill>
+                <a:latin typeface="+mj-lt"/>
+                <a:ea typeface="+mj-ea"/>
+                <a:cs typeface="+mj-cs"/>
+              </a:defRPr>
+            </a:lvl1pPr>
+          </a:lstStyle>
+          <a:p>
+            <a:pPr marL="12700" algn="ctr">
+              <a:lnSpc>
+                <a:spcPct val="100000"/>
+              </a:lnSpc>
+              <a:spcBef>
+                <a:spcPts val="105"/>
+              </a:spcBef>
+            </a:pPr>
+            <a:r>
+              <a:rPr lang="pt-PT" b="1" dirty="0">
+                <a:latin typeface="+mn-lt"/>
+                <a:cs typeface="Calibri Light"/>
+              </a:rPr>
+              <a:t>STATE OF THE ART</a:t>
+            </a:r>
+            <a:endParaRPr lang="pt-PT" b="1" dirty="0">
+              <a:latin typeface="+mn-lt"/>
+            </a:endParaRPr>
+          </a:p>
+        </p:txBody>
+      </p:sp>
+      <p:sp>
+        <p:nvSpPr>
+          <p:cNvPr id="4" name="object 3">
+            <a:extLst>
+              <a:ext uri="{FF2B5EF4-FFF2-40B4-BE49-F238E27FC236}">
+                <a16:creationId xmlns:a16="http://schemas.microsoft.com/office/drawing/2014/main" id="{91E043B8-AFCF-BCE5-D8CF-1971441845F9}"/>
+              </a:ext>
+            </a:extLst>
+          </p:cNvPr>
+          <p:cNvSpPr txBox="1"/>
+          <p:nvPr/>
+        </p:nvSpPr>
+        <p:spPr>
+          <a:xfrm>
+            <a:off x="916939" y="1802638"/>
+            <a:ext cx="10341610" cy="4081245"/>
+          </a:xfrm>
+          <a:prstGeom prst="rect">
+            <a:avLst/>
+          </a:prstGeom>
+        </p:spPr>
+        <p:txBody>
+          <a:bodyPr vert="horz" wrap="square" lIns="0" tIns="53975" rIns="0" bIns="0" rtlCol="0">
+            <a:spAutoFit/>
+          </a:bodyPr>
+          <a:lstStyle/>
+          <a:p>
+            <a:pPr marL="241300" marR="666750" indent="-229235">
+              <a:lnSpc>
+                <a:spcPts val="2590"/>
+              </a:lnSpc>
+              <a:spcBef>
+                <a:spcPts val="425"/>
+              </a:spcBef>
+              <a:buFont typeface="Arial MT"/>
+              <a:buChar char="•"/>
+              <a:tabLst>
+                <a:tab pos="241935" algn="l"/>
+              </a:tabLst>
+            </a:pPr>
+            <a:r>
+              <a:rPr lang="en-US" sz="2400" i="1" spc="-45" dirty="0">
+                <a:latin typeface="+mj-lt"/>
+                <a:ea typeface="Calibri Light" panose="020F0302020204030204" pitchFamily="34" charset="0"/>
+                <a:cs typeface="Calibri Light" panose="020F0302020204030204" pitchFamily="34" charset="0"/>
+              </a:rPr>
+              <a:t>S. Moro, P. Cortez, and P. Rita, “A data-driven approach to predict the success of bank telemarketing”</a:t>
+            </a:r>
+          </a:p>
+          <a:p>
+            <a:pPr marL="12065" marR="666750">
+              <a:lnSpc>
+                <a:spcPts val="2590"/>
+              </a:lnSpc>
+              <a:spcBef>
+                <a:spcPts val="425"/>
+              </a:spcBef>
+              <a:tabLst>
+                <a:tab pos="241935" algn="l"/>
+              </a:tabLst>
+            </a:pPr>
+            <a:endParaRPr lang="en-US" sz="2400" i="1" spc="-45" dirty="0">
+              <a:latin typeface="Calibri Light" panose="020F0302020204030204" pitchFamily="34" charset="0"/>
+              <a:ea typeface="Calibri Light" panose="020F0302020204030204" pitchFamily="34" charset="0"/>
+              <a:cs typeface="Calibri Light" panose="020F0302020204030204" pitchFamily="34" charset="0"/>
+            </a:endParaRPr>
+          </a:p>
+          <a:p>
+            <a:pPr marL="241300" marR="666750" indent="-229235">
+              <a:lnSpc>
+                <a:spcPts val="2590"/>
+              </a:lnSpc>
+              <a:spcBef>
+                <a:spcPts val="425"/>
+              </a:spcBef>
+              <a:buFont typeface="Arial MT"/>
+              <a:buChar char="•"/>
+              <a:tabLst>
+                <a:tab pos="241935" algn="l"/>
+              </a:tabLst>
+            </a:pPr>
+            <a:r>
+              <a:rPr lang="en-US" sz="2400" i="1" spc="-45" dirty="0">
+                <a:latin typeface="Calibri Light" panose="020F0302020204030204" pitchFamily="34" charset="0"/>
+                <a:ea typeface="Calibri Light" panose="020F0302020204030204" pitchFamily="34" charset="0"/>
+                <a:cs typeface="Calibri Light" panose="020F0302020204030204" pitchFamily="34" charset="0"/>
+              </a:rPr>
+              <a:t>J. </a:t>
+            </a:r>
+            <a:r>
+              <a:rPr lang="en-US" sz="2400" i="1" spc="-45" dirty="0" err="1">
+                <a:latin typeface="Calibri Light" panose="020F0302020204030204" pitchFamily="34" charset="0"/>
+                <a:ea typeface="Calibri Light" panose="020F0302020204030204" pitchFamily="34" charset="0"/>
+                <a:cs typeface="Calibri Light" panose="020F0302020204030204" pitchFamily="34" charset="0"/>
+              </a:rPr>
+              <a:t>Asare-Frempong</a:t>
+            </a:r>
+            <a:r>
+              <a:rPr lang="en-US" sz="2400" i="1" spc="-45" dirty="0">
+                <a:latin typeface="Calibri Light" panose="020F0302020204030204" pitchFamily="34" charset="0"/>
+                <a:ea typeface="Calibri Light" panose="020F0302020204030204" pitchFamily="34" charset="0"/>
+                <a:cs typeface="Calibri Light" panose="020F0302020204030204" pitchFamily="34" charset="0"/>
+              </a:rPr>
+              <a:t> and M. </a:t>
+            </a:r>
+            <a:r>
+              <a:rPr lang="en-US" sz="2400" i="1" spc="-45" dirty="0" err="1">
+                <a:latin typeface="Calibri Light" panose="020F0302020204030204" pitchFamily="34" charset="0"/>
+                <a:ea typeface="Calibri Light" panose="020F0302020204030204" pitchFamily="34" charset="0"/>
+                <a:cs typeface="Calibri Light" panose="020F0302020204030204" pitchFamily="34" charset="0"/>
+              </a:rPr>
+              <a:t>Jayabalan</a:t>
+            </a:r>
+            <a:r>
+              <a:rPr lang="en-US" sz="2400" i="1" spc="-45" dirty="0">
+                <a:latin typeface="Calibri Light" panose="020F0302020204030204" pitchFamily="34" charset="0"/>
+                <a:ea typeface="Calibri Light" panose="020F0302020204030204" pitchFamily="34" charset="0"/>
+                <a:cs typeface="Calibri Light" panose="020F0302020204030204" pitchFamily="34" charset="0"/>
+              </a:rPr>
+              <a:t>, “Predicting customer response to bank direct telemarketing campaign‘’</a:t>
+            </a:r>
+          </a:p>
+          <a:p>
+            <a:pPr marL="241300" marR="666750" indent="-229235">
+              <a:lnSpc>
+                <a:spcPts val="2590"/>
+              </a:lnSpc>
+              <a:spcBef>
+                <a:spcPts val="425"/>
+              </a:spcBef>
+              <a:buFont typeface="Arial MT"/>
+              <a:buChar char="•"/>
+              <a:tabLst>
+                <a:tab pos="241935" algn="l"/>
+              </a:tabLst>
+            </a:pPr>
+            <a:endParaRPr lang="en-US" sz="2400" i="1" spc="-45" dirty="0">
+              <a:latin typeface="Calibri Light" panose="020F0302020204030204" pitchFamily="34" charset="0"/>
+              <a:ea typeface="Calibri Light" panose="020F0302020204030204" pitchFamily="34" charset="0"/>
+              <a:cs typeface="Calibri Light" panose="020F0302020204030204" pitchFamily="34" charset="0"/>
+            </a:endParaRPr>
+          </a:p>
+          <a:p>
+            <a:pPr marL="241300" marR="666750" indent="-229235">
+              <a:lnSpc>
+                <a:spcPts val="2590"/>
+              </a:lnSpc>
+              <a:spcBef>
+                <a:spcPts val="425"/>
+              </a:spcBef>
+              <a:buFont typeface="Arial MT"/>
+              <a:buChar char="•"/>
+              <a:tabLst>
+                <a:tab pos="241935" algn="l"/>
+              </a:tabLst>
+            </a:pPr>
+            <a:r>
+              <a:rPr lang="en-US" sz="2400" i="1" spc="-45" dirty="0">
+                <a:latin typeface="Calibri Light" panose="020F0302020204030204" pitchFamily="34" charset="0"/>
+                <a:ea typeface="Calibri Light" panose="020F0302020204030204" pitchFamily="34" charset="0"/>
+                <a:cs typeface="Calibri Light" panose="020F0302020204030204" pitchFamily="34" charset="0"/>
+              </a:rPr>
+              <a:t>H. </a:t>
+            </a:r>
+            <a:r>
+              <a:rPr lang="en-US" sz="2400" i="1" spc="-45" dirty="0" err="1">
+                <a:latin typeface="Calibri Light" panose="020F0302020204030204" pitchFamily="34" charset="0"/>
+                <a:ea typeface="Calibri Light" panose="020F0302020204030204" pitchFamily="34" charset="0"/>
+                <a:cs typeface="Calibri Light" panose="020F0302020204030204" pitchFamily="34" charset="0"/>
+              </a:rPr>
+              <a:t>Elsalamony</a:t>
+            </a:r>
+            <a:r>
+              <a:rPr lang="en-US" sz="2400" i="1" spc="-45" dirty="0">
+                <a:latin typeface="Calibri Light" panose="020F0302020204030204" pitchFamily="34" charset="0"/>
+                <a:ea typeface="Calibri Light" panose="020F0302020204030204" pitchFamily="34" charset="0"/>
+                <a:cs typeface="Calibri Light" panose="020F0302020204030204" pitchFamily="34" charset="0"/>
+              </a:rPr>
+              <a:t>, “Bank Direct Marketing Analysis of Data Mining Techniques”</a:t>
+            </a:r>
+          </a:p>
+          <a:p>
+            <a:pPr marL="241300" marR="666750" indent="-229235">
+              <a:lnSpc>
+                <a:spcPts val="2590"/>
+              </a:lnSpc>
+              <a:spcBef>
+                <a:spcPts val="425"/>
+              </a:spcBef>
+              <a:buFont typeface="Arial MT"/>
+              <a:buChar char="•"/>
+              <a:tabLst>
+                <a:tab pos="241935" algn="l"/>
+              </a:tabLst>
+            </a:pPr>
+            <a:endParaRPr lang="en-US" sz="2400" i="1" spc="-45" dirty="0">
+              <a:latin typeface="Calibri Light" panose="020F0302020204030204" pitchFamily="34" charset="0"/>
+              <a:ea typeface="Calibri Light" panose="020F0302020204030204" pitchFamily="34" charset="0"/>
+              <a:cs typeface="Calibri Light" panose="020F0302020204030204" pitchFamily="34" charset="0"/>
+            </a:endParaRPr>
+          </a:p>
+          <a:p>
+            <a:pPr marL="241300" marR="666750" indent="-229235">
+              <a:lnSpc>
+                <a:spcPts val="2590"/>
+              </a:lnSpc>
+              <a:spcBef>
+                <a:spcPts val="425"/>
+              </a:spcBef>
+              <a:buFont typeface="Arial MT"/>
+              <a:buChar char="•"/>
+              <a:tabLst>
+                <a:tab pos="241935" algn="l"/>
+              </a:tabLst>
+            </a:pPr>
+            <a:r>
+              <a:rPr lang="en-US" sz="2400" i="1" spc="-45" dirty="0">
+                <a:latin typeface="Calibri Light" panose="020F0302020204030204" pitchFamily="34" charset="0"/>
+                <a:ea typeface="Calibri Light" panose="020F0302020204030204" pitchFamily="34" charset="0"/>
+                <a:cs typeface="Calibri Light" panose="020F0302020204030204" pitchFamily="34" charset="0"/>
+              </a:rPr>
+              <a:t>M. </a:t>
+            </a:r>
+            <a:r>
+              <a:rPr lang="en-US" sz="2400" i="1" spc="-45" dirty="0" err="1">
+                <a:latin typeface="Calibri Light" panose="020F0302020204030204" pitchFamily="34" charset="0"/>
+                <a:ea typeface="Calibri Light" panose="020F0302020204030204" pitchFamily="34" charset="0"/>
+                <a:cs typeface="Calibri Light" panose="020F0302020204030204" pitchFamily="34" charset="0"/>
+              </a:rPr>
+              <a:t>Arifuzzaman</a:t>
+            </a:r>
+            <a:r>
+              <a:rPr lang="en-US" sz="2400" i="1" spc="-45" dirty="0">
+                <a:latin typeface="Calibri Light" panose="020F0302020204030204" pitchFamily="34" charset="0"/>
+                <a:ea typeface="Calibri Light" panose="020F0302020204030204" pitchFamily="34" charset="0"/>
+                <a:cs typeface="Calibri Light" panose="020F0302020204030204" pitchFamily="34" charset="0"/>
+              </a:rPr>
+              <a:t> and M. S. Islam, “SMOTE Approach for Predicting the Success of Bank Telemarketing”</a:t>
+            </a:r>
+          </a:p>
+          <a:p>
+            <a:pPr marL="12065" marR="666750">
+              <a:lnSpc>
+                <a:spcPts val="2590"/>
+              </a:lnSpc>
+              <a:spcBef>
+                <a:spcPts val="425"/>
+              </a:spcBef>
+              <a:tabLst>
+                <a:tab pos="241935" algn="l"/>
+              </a:tabLst>
+            </a:pPr>
+            <a:endParaRPr lang="en-US" sz="2400" spc="-45" dirty="0">
+              <a:latin typeface="Calibri Light" panose="020F0302020204030204" pitchFamily="34" charset="0"/>
+              <a:ea typeface="Calibri Light" panose="020F0302020204030204" pitchFamily="34" charset="0"/>
+              <a:cs typeface="Calibri Light" panose="020F0302020204030204" pitchFamily="34" charset="0"/>
+            </a:endParaRPr>
+          </a:p>
+        </p:txBody>
+      </p:sp>
     </p:spTree>
     <p:extLst>
       <p:ext uri="{BB962C8B-B14F-4D97-AF65-F5344CB8AC3E}">
         <p14:creationId xmlns:p14="http://schemas.microsoft.com/office/powerpoint/2010/main" val="514300944"/>
+      </p:ext>
+    </p:extLst>
+  </p:cSld>
+  <p:clrMapOvr>
+    <a:masterClrMapping/>
+  </p:clrMapOvr>
+</p:sld>
+</file>
+
+<file path=ppt/slides/slide3.xml><?xml version="1.0" encoding="utf-8"?>
+<p:sld xmlns:a="http://schemas.openxmlformats.org/drawingml/2006/main" xmlns:r="http://schemas.openxmlformats.org/officeDocument/2006/relationships" xmlns:p="http://schemas.openxmlformats.org/presentationml/2006/main">
+  <p:cSld>
+    <p:spTree>
+      <p:nvGrpSpPr>
+        <p:cNvPr id="1" name=""/>
+        <p:cNvGrpSpPr/>
+        <p:nvPr/>
+      </p:nvGrpSpPr>
+      <p:grpSpPr>
+        <a:xfrm>
+          <a:off x="0" y="0"/>
+          <a:ext cx="0" cy="0"/>
+          <a:chOff x="0" y="0"/>
+          <a:chExt cx="0" cy="0"/>
+        </a:xfrm>
+      </p:grpSpPr>
+      <p:sp>
+        <p:nvSpPr>
+          <p:cNvPr id="3" name="object 3">
+            <a:extLst>
+              <a:ext uri="{FF2B5EF4-FFF2-40B4-BE49-F238E27FC236}">
+                <a16:creationId xmlns:a16="http://schemas.microsoft.com/office/drawing/2014/main" id="{707870D3-429E-2AE7-A5FD-26540EA3EE2B}"/>
+              </a:ext>
+            </a:extLst>
+          </p:cNvPr>
+          <p:cNvSpPr txBox="1"/>
+          <p:nvPr/>
+        </p:nvSpPr>
+        <p:spPr>
+          <a:xfrm>
+            <a:off x="916939" y="1802638"/>
+            <a:ext cx="10341610" cy="387927"/>
+          </a:xfrm>
+          <a:prstGeom prst="rect">
+            <a:avLst/>
+          </a:prstGeom>
+        </p:spPr>
+        <p:txBody>
+          <a:bodyPr vert="horz" wrap="square" lIns="0" tIns="53975" rIns="0" bIns="0" rtlCol="0">
+            <a:spAutoFit/>
+          </a:bodyPr>
+          <a:lstStyle/>
+          <a:p>
+            <a:pPr marL="12065" marR="666750">
+              <a:lnSpc>
+                <a:spcPts val="2590"/>
+              </a:lnSpc>
+              <a:spcBef>
+                <a:spcPts val="425"/>
+              </a:spcBef>
+              <a:tabLst>
+                <a:tab pos="241935" algn="l"/>
+              </a:tabLst>
+            </a:pPr>
+            <a:endParaRPr lang="en-US" sz="2400" spc="-45" dirty="0">
+              <a:latin typeface="Calibri Light" panose="020F0302020204030204" pitchFamily="34" charset="0"/>
+              <a:ea typeface="Calibri Light" panose="020F0302020204030204" pitchFamily="34" charset="0"/>
+              <a:cs typeface="Calibri Light" panose="020F0302020204030204" pitchFamily="34" charset="0"/>
+            </a:endParaRPr>
+          </a:p>
+        </p:txBody>
+      </p:sp>
+      <p:sp>
+        <p:nvSpPr>
+          <p:cNvPr id="4" name="object 3">
+            <a:extLst>
+              <a:ext uri="{FF2B5EF4-FFF2-40B4-BE49-F238E27FC236}">
+                <a16:creationId xmlns:a16="http://schemas.microsoft.com/office/drawing/2014/main" id="{310485A5-CD83-BA24-0CD9-8CEC11B56184}"/>
+              </a:ext>
+            </a:extLst>
+          </p:cNvPr>
+          <p:cNvSpPr txBox="1"/>
+          <p:nvPr/>
+        </p:nvSpPr>
+        <p:spPr>
+          <a:xfrm>
+            <a:off x="916939" y="1996601"/>
+            <a:ext cx="5510251" cy="3799117"/>
+          </a:xfrm>
+          <a:prstGeom prst="rect">
+            <a:avLst/>
+          </a:prstGeom>
+        </p:spPr>
+        <p:txBody>
+          <a:bodyPr vert="horz" wrap="square" lIns="0" tIns="53975" rIns="0" bIns="0" rtlCol="0">
+            <a:spAutoFit/>
+          </a:bodyPr>
+          <a:lstStyle/>
+          <a:p>
+            <a:pPr marL="241300" marR="666750" indent="-229235">
+              <a:lnSpc>
+                <a:spcPts val="2590"/>
+              </a:lnSpc>
+              <a:spcBef>
+                <a:spcPts val="425"/>
+              </a:spcBef>
+              <a:buFont typeface="Arial MT"/>
+              <a:buChar char="•"/>
+              <a:tabLst>
+                <a:tab pos="241935" algn="l"/>
+              </a:tabLst>
+            </a:pPr>
+            <a:r>
+              <a:rPr lang="en-US" sz="2400" spc="-45" dirty="0">
+                <a:latin typeface="+mj-lt"/>
+                <a:ea typeface="Calibri Light" panose="020F0302020204030204" pitchFamily="34" charset="0"/>
+                <a:cs typeface="Calibri Light" panose="020F0302020204030204" pitchFamily="34" charset="0"/>
+              </a:rPr>
+              <a:t>1,162 observations and 17 features</a:t>
+            </a:r>
+          </a:p>
+          <a:p>
+            <a:pPr marL="241300" marR="666750" indent="-229235">
+              <a:lnSpc>
+                <a:spcPts val="2590"/>
+              </a:lnSpc>
+              <a:spcBef>
+                <a:spcPts val="425"/>
+              </a:spcBef>
+              <a:buFont typeface="Arial MT"/>
+              <a:buChar char="•"/>
+              <a:tabLst>
+                <a:tab pos="241935" algn="l"/>
+              </a:tabLst>
+            </a:pPr>
+            <a:endParaRPr lang="en-US" sz="2400" spc="-45" dirty="0">
+              <a:latin typeface="+mj-lt"/>
+              <a:ea typeface="Calibri Light" panose="020F0302020204030204" pitchFamily="34" charset="0"/>
+              <a:cs typeface="Calibri Light" panose="020F0302020204030204" pitchFamily="34" charset="0"/>
+            </a:endParaRPr>
+          </a:p>
+          <a:p>
+            <a:pPr marL="241300" marR="666750" indent="-229235">
+              <a:lnSpc>
+                <a:spcPts val="2590"/>
+              </a:lnSpc>
+              <a:spcBef>
+                <a:spcPts val="425"/>
+              </a:spcBef>
+              <a:buFont typeface="Arial MT"/>
+              <a:buChar char="•"/>
+              <a:tabLst>
+                <a:tab pos="241935" algn="l"/>
+              </a:tabLst>
+            </a:pPr>
+            <a:r>
+              <a:rPr lang="en-US" sz="2400" spc="-45" dirty="0">
+                <a:latin typeface="+mj-lt"/>
+                <a:ea typeface="Calibri Light" panose="020F0302020204030204" pitchFamily="34" charset="0"/>
+                <a:cs typeface="Calibri Light" panose="020F0302020204030204" pitchFamily="34" charset="0"/>
+              </a:rPr>
+              <a:t>Dataset is complete (no missing values)</a:t>
+            </a:r>
+          </a:p>
+          <a:p>
+            <a:pPr marL="241300" marR="666750" indent="-229235">
+              <a:lnSpc>
+                <a:spcPts val="2590"/>
+              </a:lnSpc>
+              <a:spcBef>
+                <a:spcPts val="425"/>
+              </a:spcBef>
+              <a:buFont typeface="Arial MT"/>
+              <a:buChar char="•"/>
+              <a:tabLst>
+                <a:tab pos="241935" algn="l"/>
+              </a:tabLst>
+            </a:pPr>
+            <a:endParaRPr lang="en-US" sz="2400" spc="-45" dirty="0">
+              <a:latin typeface="+mj-lt"/>
+              <a:ea typeface="Calibri Light" panose="020F0302020204030204" pitchFamily="34" charset="0"/>
+              <a:cs typeface="Calibri Light" panose="020F0302020204030204" pitchFamily="34" charset="0"/>
+            </a:endParaRPr>
+          </a:p>
+          <a:p>
+            <a:pPr marL="241300" marR="666750" indent="-229235">
+              <a:lnSpc>
+                <a:spcPts val="2590"/>
+              </a:lnSpc>
+              <a:spcBef>
+                <a:spcPts val="425"/>
+              </a:spcBef>
+              <a:buFont typeface="Arial MT"/>
+              <a:buChar char="•"/>
+              <a:tabLst>
+                <a:tab pos="241935" algn="l"/>
+              </a:tabLst>
+            </a:pPr>
+            <a:r>
+              <a:rPr lang="en-US" sz="2400" spc="-45" dirty="0">
+                <a:latin typeface="Calibri Light" panose="020F0302020204030204" pitchFamily="34" charset="0"/>
+                <a:ea typeface="Calibri Light" panose="020F0302020204030204" pitchFamily="34" charset="0"/>
+                <a:cs typeface="Calibri Light" panose="020F0302020204030204" pitchFamily="34" charset="0"/>
+              </a:rPr>
+              <a:t>7 numeric features</a:t>
+            </a:r>
+          </a:p>
+          <a:p>
+            <a:pPr marL="241300" marR="666750" indent="-229235">
+              <a:lnSpc>
+                <a:spcPts val="2590"/>
+              </a:lnSpc>
+              <a:spcBef>
+                <a:spcPts val="425"/>
+              </a:spcBef>
+              <a:buFont typeface="Arial MT"/>
+              <a:buChar char="•"/>
+              <a:tabLst>
+                <a:tab pos="241935" algn="l"/>
+              </a:tabLst>
+            </a:pPr>
+            <a:r>
+              <a:rPr lang="en-US" sz="2400" spc="-45" dirty="0">
+                <a:latin typeface="Calibri Light" panose="020F0302020204030204" pitchFamily="34" charset="0"/>
+                <a:ea typeface="Calibri Light" panose="020F0302020204030204" pitchFamily="34" charset="0"/>
+                <a:cs typeface="Calibri Light" panose="020F0302020204030204" pitchFamily="34" charset="0"/>
+              </a:rPr>
+              <a:t>4 binary categorical features</a:t>
+            </a:r>
+          </a:p>
+          <a:p>
+            <a:pPr marL="241300" marR="666750" indent="-229235">
+              <a:lnSpc>
+                <a:spcPts val="2590"/>
+              </a:lnSpc>
+              <a:spcBef>
+                <a:spcPts val="425"/>
+              </a:spcBef>
+              <a:buFont typeface="Arial MT"/>
+              <a:buChar char="•"/>
+              <a:tabLst>
+                <a:tab pos="241935" algn="l"/>
+              </a:tabLst>
+            </a:pPr>
+            <a:r>
+              <a:rPr lang="en-US" sz="2400" spc="-45" dirty="0">
+                <a:latin typeface="Calibri Light" panose="020F0302020204030204" pitchFamily="34" charset="0"/>
+                <a:ea typeface="Calibri Light" panose="020F0302020204030204" pitchFamily="34" charset="0"/>
+                <a:cs typeface="Calibri Light" panose="020F0302020204030204" pitchFamily="34" charset="0"/>
+              </a:rPr>
+              <a:t>6 nominal categorical features</a:t>
+            </a:r>
+          </a:p>
+          <a:p>
+            <a:pPr marL="241300" marR="666750" indent="-229235">
+              <a:lnSpc>
+                <a:spcPts val="2590"/>
+              </a:lnSpc>
+              <a:spcBef>
+                <a:spcPts val="425"/>
+              </a:spcBef>
+              <a:buFont typeface="Arial MT"/>
+              <a:buChar char="•"/>
+              <a:tabLst>
+                <a:tab pos="241935" algn="l"/>
+              </a:tabLst>
+            </a:pPr>
+            <a:endParaRPr lang="en-US" sz="2400" spc="-45" dirty="0">
+              <a:latin typeface="Calibri Light" panose="020F0302020204030204" pitchFamily="34" charset="0"/>
+              <a:ea typeface="Calibri Light" panose="020F0302020204030204" pitchFamily="34" charset="0"/>
+              <a:cs typeface="Calibri Light" panose="020F0302020204030204" pitchFamily="34" charset="0"/>
+            </a:endParaRPr>
+          </a:p>
+          <a:p>
+            <a:pPr marL="241300" marR="666750" indent="-229235">
+              <a:lnSpc>
+                <a:spcPts val="2590"/>
+              </a:lnSpc>
+              <a:spcBef>
+                <a:spcPts val="425"/>
+              </a:spcBef>
+              <a:buFont typeface="Arial MT"/>
+              <a:buChar char="•"/>
+              <a:tabLst>
+                <a:tab pos="241935" algn="l"/>
+              </a:tabLst>
+            </a:pPr>
+            <a:r>
+              <a:rPr lang="en-US" sz="2400" spc="-45" dirty="0">
+                <a:latin typeface="Calibri Light" panose="020F0302020204030204" pitchFamily="34" charset="0"/>
+                <a:ea typeface="Calibri Light" panose="020F0302020204030204" pitchFamily="34" charset="0"/>
+                <a:cs typeface="Calibri Light" panose="020F0302020204030204" pitchFamily="34" charset="0"/>
+              </a:rPr>
+              <a:t>There are varying levels of granularity for each feature</a:t>
+            </a:r>
+          </a:p>
+        </p:txBody>
+      </p:sp>
+      <p:graphicFrame>
+        <p:nvGraphicFramePr>
+          <p:cNvPr id="6" name="Table 6">
+            <a:extLst>
+              <a:ext uri="{FF2B5EF4-FFF2-40B4-BE49-F238E27FC236}">
+                <a16:creationId xmlns:a16="http://schemas.microsoft.com/office/drawing/2014/main" id="{F3B0426A-81D8-A3D5-E283-823D0C65522B}"/>
+              </a:ext>
+            </a:extLst>
+          </p:cNvPr>
+          <p:cNvGraphicFramePr>
+            <a:graphicFrameLocks noGrp="1"/>
+          </p:cNvGraphicFramePr>
+          <p:nvPr>
+            <p:extLst>
+              <p:ext uri="{D42A27DB-BD31-4B8C-83A1-F6EECF244321}">
+                <p14:modId xmlns:p14="http://schemas.microsoft.com/office/powerpoint/2010/main" val="2022212825"/>
+              </p:ext>
+            </p:extLst>
+          </p:nvPr>
+        </p:nvGraphicFramePr>
+        <p:xfrm>
+          <a:off x="6217025" y="1702719"/>
+          <a:ext cx="5188938" cy="4957384"/>
+        </p:xfrm>
+        <a:graphic>
+          <a:graphicData uri="http://schemas.openxmlformats.org/drawingml/2006/table">
+            <a:tbl>
+              <a:tblPr firstRow="1" bandRow="1">
+                <a:tableStyleId>{7DF18680-E054-41AD-8BC1-D1AEF772440D}</a:tableStyleId>
+              </a:tblPr>
+              <a:tblGrid>
+                <a:gridCol w="993682">
+                  <a:extLst>
+                    <a:ext uri="{9D8B030D-6E8A-4147-A177-3AD203B41FA5}">
+                      <a16:colId xmlns:a16="http://schemas.microsoft.com/office/drawing/2014/main" val="2367648827"/>
+                    </a:ext>
+                  </a:extLst>
+                </a:gridCol>
+                <a:gridCol w="4195256">
+                  <a:extLst>
+                    <a:ext uri="{9D8B030D-6E8A-4147-A177-3AD203B41FA5}">
+                      <a16:colId xmlns:a16="http://schemas.microsoft.com/office/drawing/2014/main" val="2624085974"/>
+                    </a:ext>
+                  </a:extLst>
+                </a:gridCol>
+              </a:tblGrid>
+              <a:tr h="216000">
+                <a:tc>
+                  <a:txBody>
+                    <a:bodyPr/>
+                    <a:lstStyle/>
+                    <a:p>
+                      <a:pPr lvl="0" algn="l"/>
+                      <a:r>
+                        <a:rPr lang="pt-PT" sz="1200" dirty="0" err="1"/>
+                        <a:t>Feature</a:t>
+                      </a:r>
+                      <a:endParaRPr lang="en-US" sz="1200" b="0" i="1" dirty="0"/>
+                    </a:p>
+                  </a:txBody>
+                  <a:tcPr/>
+                </a:tc>
+                <a:tc>
+                  <a:txBody>
+                    <a:bodyPr/>
+                    <a:lstStyle/>
+                    <a:p>
+                      <a:r>
+                        <a:rPr lang="pt-PT" sz="1200" dirty="0" err="1"/>
+                        <a:t>Description</a:t>
+                      </a:r>
+                      <a:endParaRPr lang="en-US" sz="1200" b="0" i="1" dirty="0"/>
+                    </a:p>
+                  </a:txBody>
+                  <a:tcPr/>
+                </a:tc>
+                <a:extLst>
+                  <a:ext uri="{0D108BD9-81ED-4DB2-BD59-A6C34878D82A}">
+                    <a16:rowId xmlns:a16="http://schemas.microsoft.com/office/drawing/2014/main" val="2928468083"/>
+                  </a:ext>
+                </a:extLst>
+              </a:tr>
+              <a:tr h="216000">
+                <a:tc>
+                  <a:txBody>
+                    <a:bodyPr/>
+                    <a:lstStyle/>
+                    <a:p>
+                      <a:pPr lvl="0" algn="l"/>
+                      <a:r>
+                        <a:rPr lang="en-US" sz="1200" kern="1200" dirty="0">
+                          <a:effectLst/>
+                        </a:rPr>
+                        <a:t>deposit</a:t>
+                      </a:r>
+                      <a:endParaRPr lang="en-US" sz="1200" i="1" dirty="0">
+                        <a:latin typeface="+mj-lt"/>
+                      </a:endParaRPr>
+                    </a:p>
+                  </a:txBody>
+                  <a:tcPr/>
+                </a:tc>
+                <a:tc>
+                  <a:txBody>
+                    <a:bodyPr/>
+                    <a:lstStyle/>
+                    <a:p>
+                      <a:r>
+                        <a:rPr lang="en-US" sz="1200" kern="1200" dirty="0">
+                          <a:effectLst/>
+                        </a:rPr>
+                        <a:t>has the client subscribed to a term deposit? (yes, no)</a:t>
+                      </a:r>
+                      <a:endParaRPr lang="en-US" sz="1200" i="1" dirty="0">
+                        <a:latin typeface="+mj-lt"/>
+                      </a:endParaRPr>
+                    </a:p>
+                  </a:txBody>
+                  <a:tcPr/>
+                </a:tc>
+                <a:extLst>
+                  <a:ext uri="{0D108BD9-81ED-4DB2-BD59-A6C34878D82A}">
+                    <a16:rowId xmlns:a16="http://schemas.microsoft.com/office/drawing/2014/main" val="1662907928"/>
+                  </a:ext>
+                </a:extLst>
+              </a:tr>
+              <a:tr h="216000">
+                <a:tc>
+                  <a:txBody>
+                    <a:bodyPr/>
+                    <a:lstStyle/>
+                    <a:p>
+                      <a:pPr lvl="0" algn="l"/>
+                      <a:r>
+                        <a:rPr lang="en-US" sz="1200" kern="1200" dirty="0">
+                          <a:effectLst/>
+                        </a:rPr>
+                        <a:t>age</a:t>
+                      </a:r>
+                      <a:endParaRPr lang="en-US" sz="1200" i="1" dirty="0">
+                        <a:latin typeface="+mj-lt"/>
+                      </a:endParaRPr>
+                    </a:p>
+                  </a:txBody>
+                  <a:tcPr/>
+                </a:tc>
+                <a:tc>
+                  <a:txBody>
+                    <a:bodyPr/>
+                    <a:lstStyle/>
+                    <a:p>
+                      <a:r>
+                        <a:rPr lang="en-US" sz="1200" kern="1200" dirty="0">
+                          <a:effectLst/>
+                        </a:rPr>
+                        <a:t>age of the client, numeric</a:t>
+                      </a:r>
+                      <a:endParaRPr lang="en-US" sz="1200" i="1" dirty="0">
+                        <a:latin typeface="+mj-lt"/>
+                      </a:endParaRPr>
+                    </a:p>
+                  </a:txBody>
+                  <a:tcPr/>
+                </a:tc>
+                <a:extLst>
+                  <a:ext uri="{0D108BD9-81ED-4DB2-BD59-A6C34878D82A}">
+                    <a16:rowId xmlns:a16="http://schemas.microsoft.com/office/drawing/2014/main" val="359312230"/>
+                  </a:ext>
+                </a:extLst>
+              </a:tr>
+              <a:tr h="216000">
+                <a:tc>
+                  <a:txBody>
+                    <a:bodyPr/>
+                    <a:lstStyle/>
+                    <a:p>
+                      <a:pPr lvl="0" algn="l"/>
+                      <a:r>
+                        <a:rPr lang="en-US" sz="1200" kern="1200" dirty="0">
+                          <a:effectLst/>
+                        </a:rPr>
+                        <a:t>job</a:t>
+                      </a:r>
+                      <a:endParaRPr lang="en-US" sz="1200" i="1" dirty="0">
+                        <a:latin typeface="+mj-lt"/>
+                      </a:endParaRPr>
+                    </a:p>
+                  </a:txBody>
+                  <a:tcPr/>
+                </a:tc>
+                <a:tc>
+                  <a:txBody>
+                    <a:bodyPr/>
+                    <a:lstStyle/>
+                    <a:p>
+                      <a:r>
+                        <a:rPr lang="en-US" sz="1200" kern="1200" dirty="0">
+                          <a:effectLst/>
+                        </a:rPr>
+                        <a:t>type of job, twelve categories</a:t>
+                      </a:r>
+                      <a:endParaRPr lang="en-US" sz="1200" i="1" dirty="0">
+                        <a:latin typeface="+mj-lt"/>
+                      </a:endParaRPr>
+                    </a:p>
+                  </a:txBody>
+                  <a:tcPr/>
+                </a:tc>
+                <a:extLst>
+                  <a:ext uri="{0D108BD9-81ED-4DB2-BD59-A6C34878D82A}">
+                    <a16:rowId xmlns:a16="http://schemas.microsoft.com/office/drawing/2014/main" val="542639026"/>
+                  </a:ext>
+                </a:extLst>
+              </a:tr>
+              <a:tr h="216000">
+                <a:tc>
+                  <a:txBody>
+                    <a:bodyPr/>
+                    <a:lstStyle/>
+                    <a:p>
+                      <a:pPr lvl="0" algn="l"/>
+                      <a:r>
+                        <a:rPr lang="en-US" sz="1200" kern="1200" dirty="0">
+                          <a:effectLst/>
+                        </a:rPr>
+                        <a:t>marital</a:t>
+                      </a:r>
+                      <a:endParaRPr lang="en-US" sz="1200" i="1" dirty="0">
+                        <a:latin typeface="+mj-lt"/>
+                      </a:endParaRPr>
+                    </a:p>
+                  </a:txBody>
+                  <a:tcPr/>
+                </a:tc>
+                <a:tc>
+                  <a:txBody>
+                    <a:bodyPr/>
+                    <a:lstStyle/>
+                    <a:p>
+                      <a:r>
+                        <a:rPr lang="en-US" sz="1200" kern="1200" dirty="0">
+                          <a:effectLst/>
+                        </a:rPr>
+                        <a:t>marital status, three categories</a:t>
+                      </a:r>
+                      <a:endParaRPr lang="en-US" sz="1200" i="1" dirty="0">
+                        <a:latin typeface="+mj-lt"/>
+                      </a:endParaRPr>
+                    </a:p>
+                  </a:txBody>
+                  <a:tcPr/>
+                </a:tc>
+                <a:extLst>
+                  <a:ext uri="{0D108BD9-81ED-4DB2-BD59-A6C34878D82A}">
+                    <a16:rowId xmlns:a16="http://schemas.microsoft.com/office/drawing/2014/main" val="1645211995"/>
+                  </a:ext>
+                </a:extLst>
+              </a:tr>
+              <a:tr h="216000">
+                <a:tc>
+                  <a:txBody>
+                    <a:bodyPr/>
+                    <a:lstStyle/>
+                    <a:p>
+                      <a:pPr lvl="0" algn="l"/>
+                      <a:r>
+                        <a:rPr lang="pt-PT" sz="1200" dirty="0" err="1"/>
+                        <a:t>education</a:t>
+                      </a:r>
+                      <a:endParaRPr lang="en-US" sz="1200" i="1" dirty="0">
+                        <a:latin typeface="+mj-lt"/>
+                      </a:endParaRPr>
+                    </a:p>
+                  </a:txBody>
+                  <a:tcPr/>
+                </a:tc>
+                <a:tc>
+                  <a:txBody>
+                    <a:bodyPr/>
+                    <a:lstStyle/>
+                    <a:p>
+                      <a:r>
+                        <a:rPr lang="en-US" sz="1200" dirty="0"/>
+                        <a:t>level of education, four categories</a:t>
+                      </a:r>
+                      <a:endParaRPr lang="en-US" sz="1200" i="1" dirty="0">
+                        <a:latin typeface="+mj-lt"/>
+                      </a:endParaRPr>
+                    </a:p>
+                  </a:txBody>
+                  <a:tcPr/>
+                </a:tc>
+                <a:extLst>
+                  <a:ext uri="{0D108BD9-81ED-4DB2-BD59-A6C34878D82A}">
+                    <a16:rowId xmlns:a16="http://schemas.microsoft.com/office/drawing/2014/main" val="2327519903"/>
+                  </a:ext>
+                </a:extLst>
+              </a:tr>
+              <a:tr h="216000">
+                <a:tc>
+                  <a:txBody>
+                    <a:bodyPr/>
+                    <a:lstStyle/>
+                    <a:p>
+                      <a:pPr lvl="0" algn="l"/>
+                      <a:r>
+                        <a:rPr lang="en-US" sz="1200" dirty="0"/>
+                        <a:t>default</a:t>
+                      </a:r>
+                      <a:endParaRPr lang="en-US" sz="1200" i="1" dirty="0">
+                        <a:latin typeface="+mj-lt"/>
+                      </a:endParaRPr>
+                    </a:p>
+                  </a:txBody>
+                  <a:tcPr/>
+                </a:tc>
+                <a:tc>
+                  <a:txBody>
+                    <a:bodyPr/>
+                    <a:lstStyle/>
+                    <a:p>
+                      <a:r>
+                        <a:rPr lang="en-US" sz="1200" dirty="0"/>
+                        <a:t>has credit in default? (yes, no)</a:t>
+                      </a:r>
+                      <a:endParaRPr lang="en-US" sz="1200" i="1" dirty="0">
+                        <a:latin typeface="+mj-lt"/>
+                      </a:endParaRPr>
+                    </a:p>
+                  </a:txBody>
+                  <a:tcPr/>
+                </a:tc>
+                <a:extLst>
+                  <a:ext uri="{0D108BD9-81ED-4DB2-BD59-A6C34878D82A}">
+                    <a16:rowId xmlns:a16="http://schemas.microsoft.com/office/drawing/2014/main" val="3885829242"/>
+                  </a:ext>
+                </a:extLst>
+              </a:tr>
+              <a:tr h="216000">
+                <a:tc>
+                  <a:txBody>
+                    <a:bodyPr/>
+                    <a:lstStyle/>
+                    <a:p>
+                      <a:pPr lvl="0" algn="l"/>
+                      <a:r>
+                        <a:rPr lang="pt-PT" sz="1200" dirty="0"/>
+                        <a:t>balance</a:t>
+                      </a:r>
+                      <a:endParaRPr lang="en-US" sz="1200" i="1" dirty="0">
+                        <a:latin typeface="+mj-lt"/>
+                      </a:endParaRPr>
+                    </a:p>
+                  </a:txBody>
+                  <a:tcPr/>
+                </a:tc>
+                <a:tc>
+                  <a:txBody>
+                    <a:bodyPr/>
+                    <a:lstStyle/>
+                    <a:p>
+                      <a:r>
+                        <a:rPr lang="en-US" sz="1200" dirty="0"/>
+                        <a:t>yearly balance of the client, numeric</a:t>
+                      </a:r>
+                      <a:endParaRPr lang="en-US" sz="1200" i="1" dirty="0">
+                        <a:latin typeface="+mj-lt"/>
+                      </a:endParaRPr>
+                    </a:p>
+                  </a:txBody>
+                  <a:tcPr/>
+                </a:tc>
+                <a:extLst>
+                  <a:ext uri="{0D108BD9-81ED-4DB2-BD59-A6C34878D82A}">
+                    <a16:rowId xmlns:a16="http://schemas.microsoft.com/office/drawing/2014/main" val="1650362133"/>
+                  </a:ext>
+                </a:extLst>
+              </a:tr>
+              <a:tr h="216000">
+                <a:tc>
+                  <a:txBody>
+                    <a:bodyPr/>
+                    <a:lstStyle/>
+                    <a:p>
+                      <a:pPr lvl="0" algn="l"/>
+                      <a:r>
+                        <a:rPr lang="pt-PT" sz="1200" dirty="0" err="1"/>
+                        <a:t>housing</a:t>
+                      </a:r>
+                      <a:endParaRPr lang="en-US" sz="1200" i="1" dirty="0">
+                        <a:latin typeface="+mj-lt"/>
+                      </a:endParaRPr>
+                    </a:p>
+                  </a:txBody>
+                  <a:tcPr/>
+                </a:tc>
+                <a:tc>
+                  <a:txBody>
+                    <a:bodyPr/>
+                    <a:lstStyle/>
+                    <a:p>
+                      <a:r>
+                        <a:rPr lang="en-US" sz="1200" dirty="0"/>
+                        <a:t>has a housing loan? (yes, no)</a:t>
+                      </a:r>
+                      <a:endParaRPr lang="en-US" sz="1200" i="1" dirty="0">
+                        <a:latin typeface="+mj-lt"/>
+                      </a:endParaRPr>
+                    </a:p>
+                  </a:txBody>
+                  <a:tcPr/>
+                </a:tc>
+                <a:extLst>
+                  <a:ext uri="{0D108BD9-81ED-4DB2-BD59-A6C34878D82A}">
+                    <a16:rowId xmlns:a16="http://schemas.microsoft.com/office/drawing/2014/main" val="2113844560"/>
+                  </a:ext>
+                </a:extLst>
+              </a:tr>
+              <a:tr h="216000">
+                <a:tc>
+                  <a:txBody>
+                    <a:bodyPr/>
+                    <a:lstStyle/>
+                    <a:p>
+                      <a:pPr lvl="0" algn="l"/>
+                      <a:r>
+                        <a:rPr lang="en-US" sz="1200" dirty="0"/>
+                        <a:t>loan</a:t>
+                      </a:r>
+                      <a:endParaRPr lang="en-US" sz="1200" i="1" dirty="0">
+                        <a:latin typeface="+mj-lt"/>
+                      </a:endParaRPr>
+                    </a:p>
+                  </a:txBody>
+                  <a:tcPr/>
+                </a:tc>
+                <a:tc>
+                  <a:txBody>
+                    <a:bodyPr/>
+                    <a:lstStyle/>
+                    <a:p>
+                      <a:r>
+                        <a:rPr lang="en-US" sz="1200" dirty="0"/>
+                        <a:t>has a personal loan? (yes, no)</a:t>
+                      </a:r>
+                      <a:endParaRPr lang="en-US" sz="1200" i="1" dirty="0">
+                        <a:latin typeface="+mj-lt"/>
+                      </a:endParaRPr>
+                    </a:p>
+                  </a:txBody>
+                  <a:tcPr/>
+                </a:tc>
+                <a:extLst>
+                  <a:ext uri="{0D108BD9-81ED-4DB2-BD59-A6C34878D82A}">
+                    <a16:rowId xmlns:a16="http://schemas.microsoft.com/office/drawing/2014/main" val="2395284965"/>
+                  </a:ext>
+                </a:extLst>
+              </a:tr>
+              <a:tr h="216000">
+                <a:tc>
+                  <a:txBody>
+                    <a:bodyPr/>
+                    <a:lstStyle/>
+                    <a:p>
+                      <a:pPr lvl="0" algn="l"/>
+                      <a:r>
+                        <a:rPr lang="pt-PT" sz="1200" dirty="0" err="1"/>
+                        <a:t>contact</a:t>
+                      </a:r>
+                      <a:endParaRPr lang="en-US" sz="1200" i="1" dirty="0">
+                        <a:latin typeface="+mj-lt"/>
+                      </a:endParaRPr>
+                    </a:p>
+                  </a:txBody>
+                  <a:tcPr/>
+                </a:tc>
+                <a:tc>
+                  <a:txBody>
+                    <a:bodyPr/>
+                    <a:lstStyle/>
+                    <a:p>
+                      <a:r>
+                        <a:rPr lang="en-US" sz="1200" dirty="0"/>
+                        <a:t>communication type (cellular, telephone, unknown)</a:t>
+                      </a:r>
+                      <a:endParaRPr lang="en-US" sz="1200" i="1" dirty="0">
+                        <a:latin typeface="+mj-lt"/>
+                      </a:endParaRPr>
+                    </a:p>
+                  </a:txBody>
+                  <a:tcPr/>
+                </a:tc>
+                <a:extLst>
+                  <a:ext uri="{0D108BD9-81ED-4DB2-BD59-A6C34878D82A}">
+                    <a16:rowId xmlns:a16="http://schemas.microsoft.com/office/drawing/2014/main" val="1434471875"/>
+                  </a:ext>
+                </a:extLst>
+              </a:tr>
+              <a:tr h="293944">
+                <a:tc>
+                  <a:txBody>
+                    <a:bodyPr/>
+                    <a:lstStyle/>
+                    <a:p>
+                      <a:pPr lvl="0" algn="l"/>
+                      <a:r>
+                        <a:rPr lang="en-US" sz="1200" dirty="0"/>
+                        <a:t>day</a:t>
+                      </a:r>
+                      <a:endParaRPr lang="en-US" sz="1200" i="1" dirty="0">
+                        <a:latin typeface="+mj-lt"/>
+                      </a:endParaRPr>
+                    </a:p>
+                  </a:txBody>
+                  <a:tcPr/>
+                </a:tc>
+                <a:tc>
+                  <a:txBody>
+                    <a:bodyPr/>
+                    <a:lstStyle/>
+                    <a:p>
+                      <a:r>
+                        <a:rPr lang="en-US" sz="1200" dirty="0"/>
+                        <a:t>last contact day of the month, numeric</a:t>
+                      </a:r>
+                      <a:endParaRPr lang="en-US" sz="1200" i="1" dirty="0">
+                        <a:latin typeface="+mj-lt"/>
+                      </a:endParaRPr>
+                    </a:p>
+                  </a:txBody>
+                  <a:tcPr/>
+                </a:tc>
+                <a:extLst>
+                  <a:ext uri="{0D108BD9-81ED-4DB2-BD59-A6C34878D82A}">
+                    <a16:rowId xmlns:a16="http://schemas.microsoft.com/office/drawing/2014/main" val="2306080575"/>
+                  </a:ext>
+                </a:extLst>
+              </a:tr>
+              <a:tr h="216000">
+                <a:tc>
+                  <a:txBody>
+                    <a:bodyPr/>
+                    <a:lstStyle/>
+                    <a:p>
+                      <a:pPr lvl="0" algn="l"/>
+                      <a:r>
+                        <a:rPr lang="en-US" sz="1200" dirty="0"/>
+                        <a:t>month</a:t>
+                      </a:r>
+                      <a:endParaRPr lang="en-US" sz="1200" i="1" dirty="0">
+                        <a:latin typeface="+mj-lt"/>
+                      </a:endParaRPr>
+                    </a:p>
+                  </a:txBody>
+                  <a:tcPr/>
+                </a:tc>
+                <a:tc>
+                  <a:txBody>
+                    <a:bodyPr/>
+                    <a:lstStyle/>
+                    <a:p>
+                      <a:r>
+                        <a:rPr lang="en-US" sz="1200" dirty="0"/>
+                        <a:t>last contact month of the year (twelve levels, months)</a:t>
+                      </a:r>
+                      <a:endParaRPr lang="en-US" sz="1200" i="1" dirty="0">
+                        <a:latin typeface="+mj-lt"/>
+                      </a:endParaRPr>
+                    </a:p>
+                  </a:txBody>
+                  <a:tcPr/>
+                </a:tc>
+                <a:extLst>
+                  <a:ext uri="{0D108BD9-81ED-4DB2-BD59-A6C34878D82A}">
+                    <a16:rowId xmlns:a16="http://schemas.microsoft.com/office/drawing/2014/main" val="958284168"/>
+                  </a:ext>
+                </a:extLst>
+              </a:tr>
+              <a:tr h="216000">
+                <a:tc>
+                  <a:txBody>
+                    <a:bodyPr/>
+                    <a:lstStyle/>
+                    <a:p>
+                      <a:pPr lvl="0" algn="l"/>
+                      <a:r>
+                        <a:rPr lang="en-US" sz="1200" dirty="0"/>
+                        <a:t>duration</a:t>
+                      </a:r>
+                      <a:endParaRPr lang="en-US" sz="1200" i="1" dirty="0">
+                        <a:latin typeface="+mj-lt"/>
+                      </a:endParaRPr>
+                    </a:p>
+                  </a:txBody>
+                  <a:tcPr/>
+                </a:tc>
+                <a:tc>
+                  <a:txBody>
+                    <a:bodyPr/>
+                    <a:lstStyle/>
+                    <a:p>
+                      <a:r>
+                        <a:rPr lang="en-US" sz="1200" dirty="0"/>
+                        <a:t>last contact duration in seconds, numeric</a:t>
+                      </a:r>
+                      <a:endParaRPr lang="en-US" sz="1200" i="1" dirty="0">
+                        <a:latin typeface="+mj-lt"/>
+                      </a:endParaRPr>
+                    </a:p>
+                  </a:txBody>
+                  <a:tcPr/>
+                </a:tc>
+                <a:extLst>
+                  <a:ext uri="{0D108BD9-81ED-4DB2-BD59-A6C34878D82A}">
+                    <a16:rowId xmlns:a16="http://schemas.microsoft.com/office/drawing/2014/main" val="3165210880"/>
+                  </a:ext>
+                </a:extLst>
+              </a:tr>
+              <a:tr h="216000">
+                <a:tc>
+                  <a:txBody>
+                    <a:bodyPr/>
+                    <a:lstStyle/>
+                    <a:p>
+                      <a:pPr lvl="0" algn="l"/>
+                      <a:r>
+                        <a:rPr lang="en-US" sz="1200" dirty="0"/>
+                        <a:t>campaign</a:t>
+                      </a:r>
+                      <a:endParaRPr lang="en-US" sz="1200" i="1" dirty="0">
+                        <a:latin typeface="+mj-lt"/>
+                      </a:endParaRPr>
+                    </a:p>
+                  </a:txBody>
+                  <a:tcPr/>
+                </a:tc>
+                <a:tc>
+                  <a:txBody>
+                    <a:bodyPr/>
+                    <a:lstStyle/>
+                    <a:p>
+                      <a:r>
+                        <a:rPr lang="en-US" sz="1200" dirty="0"/>
+                        <a:t>contacts received during this campaign, numeric</a:t>
+                      </a:r>
+                      <a:endParaRPr lang="en-US" sz="1200" i="1" dirty="0">
+                        <a:latin typeface="+mj-lt"/>
+                      </a:endParaRPr>
+                    </a:p>
+                  </a:txBody>
+                  <a:tcPr/>
+                </a:tc>
+                <a:extLst>
+                  <a:ext uri="{0D108BD9-81ED-4DB2-BD59-A6C34878D82A}">
+                    <a16:rowId xmlns:a16="http://schemas.microsoft.com/office/drawing/2014/main" val="1275763251"/>
+                  </a:ext>
+                </a:extLst>
+              </a:tr>
+              <a:tr h="216000">
+                <a:tc>
+                  <a:txBody>
+                    <a:bodyPr/>
+                    <a:lstStyle/>
+                    <a:p>
+                      <a:pPr lvl="0" algn="l"/>
+                      <a:r>
+                        <a:rPr lang="en-US" sz="1200" dirty="0" err="1"/>
+                        <a:t>pdays</a:t>
+                      </a:r>
+                      <a:endParaRPr lang="en-US" sz="1200" i="1" dirty="0">
+                        <a:latin typeface="+mj-lt"/>
+                      </a:endParaRPr>
+                    </a:p>
+                  </a:txBody>
+                  <a:tcPr/>
+                </a:tc>
+                <a:tc>
+                  <a:txBody>
+                    <a:bodyPr/>
+                    <a:lstStyle/>
+                    <a:p>
+                      <a:r>
+                        <a:rPr lang="en-US" sz="1200" dirty="0"/>
+                        <a:t>days since the last contact in a previous campaign, numeric</a:t>
+                      </a:r>
+                      <a:endParaRPr lang="en-US" sz="1200" i="1" dirty="0">
+                        <a:latin typeface="+mj-lt"/>
+                      </a:endParaRPr>
+                    </a:p>
+                  </a:txBody>
+                  <a:tcPr/>
+                </a:tc>
+                <a:extLst>
+                  <a:ext uri="{0D108BD9-81ED-4DB2-BD59-A6C34878D82A}">
+                    <a16:rowId xmlns:a16="http://schemas.microsoft.com/office/drawing/2014/main" val="145056208"/>
+                  </a:ext>
+                </a:extLst>
+              </a:tr>
+              <a:tr h="240376">
+                <a:tc>
+                  <a:txBody>
+                    <a:bodyPr/>
+                    <a:lstStyle/>
+                    <a:p>
+                      <a:pPr lvl="0" algn="l"/>
+                      <a:r>
+                        <a:rPr lang="pt-PT" sz="1200" dirty="0" err="1"/>
+                        <a:t>previous</a:t>
+                      </a:r>
+                      <a:endParaRPr lang="en-US" sz="1200" i="1" dirty="0">
+                        <a:latin typeface="+mj-lt"/>
+                      </a:endParaRPr>
+                    </a:p>
+                  </a:txBody>
+                  <a:tcPr/>
+                </a:tc>
+                <a:tc>
+                  <a:txBody>
+                    <a:bodyPr/>
+                    <a:lstStyle/>
+                    <a:p>
+                      <a:r>
+                        <a:rPr lang="en-US" sz="1200" dirty="0"/>
+                        <a:t>contacts received before this campaign, numeric</a:t>
+                      </a:r>
+                      <a:endParaRPr lang="en-US" sz="1200" i="1" dirty="0">
+                        <a:latin typeface="+mj-lt"/>
+                      </a:endParaRPr>
+                    </a:p>
+                  </a:txBody>
+                  <a:tcPr/>
+                </a:tc>
+                <a:extLst>
+                  <a:ext uri="{0D108BD9-81ED-4DB2-BD59-A6C34878D82A}">
+                    <a16:rowId xmlns:a16="http://schemas.microsoft.com/office/drawing/2014/main" val="3698493433"/>
+                  </a:ext>
+                </a:extLst>
+              </a:tr>
+              <a:tr h="216000">
+                <a:tc>
+                  <a:txBody>
+                    <a:bodyPr/>
+                    <a:lstStyle/>
+                    <a:p>
+                      <a:pPr lvl="0" algn="l"/>
+                      <a:r>
+                        <a:rPr lang="pt-PT" sz="1200" dirty="0" err="1"/>
+                        <a:t>poutcome</a:t>
+                      </a:r>
+                      <a:endParaRPr lang="en-US" sz="1200" i="1" dirty="0">
+                        <a:latin typeface="+mj-lt"/>
+                      </a:endParaRPr>
+                    </a:p>
+                  </a:txBody>
+                  <a:tcPr/>
+                </a:tc>
+                <a:tc>
+                  <a:txBody>
+                    <a:bodyPr/>
+                    <a:lstStyle/>
+                    <a:p>
+                      <a:r>
+                        <a:rPr lang="en-US" sz="1200" dirty="0"/>
+                        <a:t>previous marketing campaign result, four categories</a:t>
+                      </a:r>
+                      <a:endParaRPr lang="en-US" sz="1200" i="1" dirty="0">
+                        <a:latin typeface="+mj-lt"/>
+                      </a:endParaRPr>
+                    </a:p>
+                  </a:txBody>
+                  <a:tcPr/>
+                </a:tc>
+                <a:extLst>
+                  <a:ext uri="{0D108BD9-81ED-4DB2-BD59-A6C34878D82A}">
+                    <a16:rowId xmlns:a16="http://schemas.microsoft.com/office/drawing/2014/main" val="2813484315"/>
+                  </a:ext>
+                </a:extLst>
+              </a:tr>
+            </a:tbl>
+          </a:graphicData>
+        </a:graphic>
+      </p:graphicFrame>
+      <p:sp>
+        <p:nvSpPr>
+          <p:cNvPr id="9" name="object 4">
+            <a:extLst>
+              <a:ext uri="{FF2B5EF4-FFF2-40B4-BE49-F238E27FC236}">
+                <a16:creationId xmlns:a16="http://schemas.microsoft.com/office/drawing/2014/main" id="{2BD527DB-66A1-0F0D-E5AF-456732C0DDCE}"/>
+              </a:ext>
+            </a:extLst>
+          </p:cNvPr>
+          <p:cNvSpPr txBox="1">
+            <a:spLocks/>
+          </p:cNvSpPr>
+          <p:nvPr/>
+        </p:nvSpPr>
+        <p:spPr>
+          <a:xfrm>
+            <a:off x="11908535" y="6537756"/>
+            <a:ext cx="231140" cy="330200"/>
+          </a:xfrm>
+          <a:prstGeom prst="rect">
+            <a:avLst/>
+          </a:prstGeom>
+        </p:spPr>
+        <p:txBody>
+          <a:bodyPr vert="horz" wrap="square" lIns="0" tIns="0" rIns="0" bIns="0" rtlCol="0">
+            <a:spAutoFit/>
+          </a:bodyPr>
+          <a:lstStyle>
+            <a:defPPr>
+              <a:defRPr lang="pt-PT"/>
+            </a:defPPr>
+            <a:lvl1pPr marL="0" algn="l" defTabSz="914400" rtl="0" eaLnBrk="1" latinLnBrk="0" hangingPunct="1">
+              <a:defRPr sz="2400" b="0" i="0" kern="1200">
+                <a:solidFill>
+                  <a:srgbClr val="888888"/>
+                </a:solidFill>
+                <a:latin typeface="Calibri"/>
+                <a:ea typeface="+mn-ea"/>
+                <a:cs typeface="Calibri"/>
+              </a:defRPr>
+            </a:lvl1pPr>
+            <a:lvl2pPr marL="457200" algn="l" defTabSz="914400" rtl="0" eaLnBrk="1" latinLnBrk="0" hangingPunct="1">
+              <a:defRPr sz="1800" kern="1200">
+                <a:solidFill>
+                  <a:schemeClr val="tx1"/>
+                </a:solidFill>
+                <a:latin typeface="+mn-lt"/>
+                <a:ea typeface="+mn-ea"/>
+                <a:cs typeface="+mn-cs"/>
+              </a:defRPr>
+            </a:lvl2pPr>
+            <a:lvl3pPr marL="914400" algn="l" defTabSz="914400" rtl="0" eaLnBrk="1" latinLnBrk="0" hangingPunct="1">
+              <a:defRPr sz="1800" kern="1200">
+                <a:solidFill>
+                  <a:schemeClr val="tx1"/>
+                </a:solidFill>
+                <a:latin typeface="+mn-lt"/>
+                <a:ea typeface="+mn-ea"/>
+                <a:cs typeface="+mn-cs"/>
+              </a:defRPr>
+            </a:lvl3pPr>
+            <a:lvl4pPr marL="1371600" algn="l" defTabSz="914400" rtl="0" eaLnBrk="1" latinLnBrk="0" hangingPunct="1">
+              <a:defRPr sz="1800" kern="1200">
+                <a:solidFill>
+                  <a:schemeClr val="tx1"/>
+                </a:solidFill>
+                <a:latin typeface="+mn-lt"/>
+                <a:ea typeface="+mn-ea"/>
+                <a:cs typeface="+mn-cs"/>
+              </a:defRPr>
+            </a:lvl4pPr>
+            <a:lvl5pPr marL="1828800" algn="l" defTabSz="914400" rtl="0" eaLnBrk="1" latinLnBrk="0" hangingPunct="1">
+              <a:defRPr sz="1800" kern="1200">
+                <a:solidFill>
+                  <a:schemeClr val="tx1"/>
+                </a:solidFill>
+                <a:latin typeface="+mn-lt"/>
+                <a:ea typeface="+mn-ea"/>
+                <a:cs typeface="+mn-cs"/>
+              </a:defRPr>
+            </a:lvl5pPr>
+            <a:lvl6pPr marL="2286000" algn="l" defTabSz="914400" rtl="0" eaLnBrk="1" latinLnBrk="0" hangingPunct="1">
+              <a:defRPr sz="1800" kern="1200">
+                <a:solidFill>
+                  <a:schemeClr val="tx1"/>
+                </a:solidFill>
+                <a:latin typeface="+mn-lt"/>
+                <a:ea typeface="+mn-ea"/>
+                <a:cs typeface="+mn-cs"/>
+              </a:defRPr>
+            </a:lvl6pPr>
+            <a:lvl7pPr marL="2743200" algn="l" defTabSz="914400" rtl="0" eaLnBrk="1" latinLnBrk="0" hangingPunct="1">
+              <a:defRPr sz="1800" kern="1200">
+                <a:solidFill>
+                  <a:schemeClr val="tx1"/>
+                </a:solidFill>
+                <a:latin typeface="+mn-lt"/>
+                <a:ea typeface="+mn-ea"/>
+                <a:cs typeface="+mn-cs"/>
+              </a:defRPr>
+            </a:lvl7pPr>
+            <a:lvl8pPr marL="3200400" algn="l" defTabSz="914400" rtl="0" eaLnBrk="1" latinLnBrk="0" hangingPunct="1">
+              <a:defRPr sz="1800" kern="1200">
+                <a:solidFill>
+                  <a:schemeClr val="tx1"/>
+                </a:solidFill>
+                <a:latin typeface="+mn-lt"/>
+                <a:ea typeface="+mn-ea"/>
+                <a:cs typeface="+mn-cs"/>
+              </a:defRPr>
+            </a:lvl8pPr>
+            <a:lvl9pPr marL="3657600" algn="l" defTabSz="914400" rtl="0" eaLnBrk="1" latinLnBrk="0" hangingPunct="1">
+              <a:defRPr sz="1800" kern="1200">
+                <a:solidFill>
+                  <a:schemeClr val="tx1"/>
+                </a:solidFill>
+                <a:latin typeface="+mn-lt"/>
+                <a:ea typeface="+mn-ea"/>
+                <a:cs typeface="+mn-cs"/>
+              </a:defRPr>
+            </a:lvl9pPr>
+          </a:lstStyle>
+          <a:p>
+            <a:pPr marL="38100">
+              <a:lnSpc>
+                <a:spcPts val="2380"/>
+              </a:lnSpc>
+            </a:pPr>
+            <a:fld id="{81D60167-4931-47E6-BA6A-407CBD079E47}" type="slidenum">
+              <a:rPr lang="en-US" smtClean="0"/>
+              <a:pPr marL="38100">
+                <a:lnSpc>
+                  <a:spcPts val="2380"/>
+                </a:lnSpc>
+              </a:pPr>
+              <a:t>3</a:t>
+            </a:fld>
+            <a:endParaRPr lang="en-US" dirty="0"/>
+          </a:p>
+        </p:txBody>
+      </p:sp>
+      <p:sp>
+        <p:nvSpPr>
+          <p:cNvPr id="10" name="object 2">
+            <a:extLst>
+              <a:ext uri="{FF2B5EF4-FFF2-40B4-BE49-F238E27FC236}">
+                <a16:creationId xmlns:a16="http://schemas.microsoft.com/office/drawing/2014/main" id="{380D7F0D-F804-C642-ED78-DF0228E679B1}"/>
+              </a:ext>
+            </a:extLst>
+          </p:cNvPr>
+          <p:cNvSpPr txBox="1">
+            <a:spLocks/>
+          </p:cNvSpPr>
+          <p:nvPr/>
+        </p:nvSpPr>
+        <p:spPr>
+          <a:xfrm>
+            <a:off x="0" y="609676"/>
+            <a:ext cx="12192000" cy="697230"/>
+          </a:xfrm>
+          <a:prstGeom prst="rect">
+            <a:avLst/>
+          </a:prstGeom>
+        </p:spPr>
+        <p:txBody>
+          <a:bodyPr vert="horz" wrap="square" lIns="0" tIns="13335" rIns="0" bIns="0" rtlCol="0">
+            <a:spAutoFit/>
+          </a:bodyPr>
+          <a:lstStyle>
+            <a:lvl1pPr algn="l" defTabSz="914400" rtl="0" eaLnBrk="1" latinLnBrk="0" hangingPunct="1">
+              <a:lnSpc>
+                <a:spcPct val="90000"/>
+              </a:lnSpc>
+              <a:spcBef>
+                <a:spcPct val="0"/>
+              </a:spcBef>
+              <a:buNone/>
+              <a:defRPr sz="4400" kern="1200">
+                <a:solidFill>
+                  <a:schemeClr val="tx1"/>
+                </a:solidFill>
+                <a:latin typeface="+mj-lt"/>
+                <a:ea typeface="+mj-ea"/>
+                <a:cs typeface="+mj-cs"/>
+              </a:defRPr>
+            </a:lvl1pPr>
+          </a:lstStyle>
+          <a:p>
+            <a:pPr marL="12700" algn="ctr">
+              <a:lnSpc>
+                <a:spcPct val="100000"/>
+              </a:lnSpc>
+              <a:spcBef>
+                <a:spcPts val="105"/>
+              </a:spcBef>
+            </a:pPr>
+            <a:r>
+              <a:rPr lang="pt-PT" b="1" dirty="0">
+                <a:latin typeface="+mn-lt"/>
+                <a:cs typeface="Calibri Light"/>
+              </a:rPr>
+              <a:t>DATASET</a:t>
+            </a:r>
+            <a:endParaRPr lang="pt-PT" b="1" dirty="0">
+              <a:latin typeface="+mn-lt"/>
+            </a:endParaRPr>
+          </a:p>
+        </p:txBody>
+      </p:sp>
+    </p:spTree>
+    <p:extLst>
+      <p:ext uri="{BB962C8B-B14F-4D97-AF65-F5344CB8AC3E}">
+        <p14:creationId xmlns:p14="http://schemas.microsoft.com/office/powerpoint/2010/main" val="3221902994"/>
+      </p:ext>
+    </p:extLst>
+  </p:cSld>
+  <p:clrMapOvr>
+    <a:masterClrMapping/>
+  </p:clrMapOvr>
+</p:sld>
+</file>
+
+<file path=ppt/slides/slide4.xml><?xml version="1.0" encoding="utf-8"?>
+<p:sld xmlns:a="http://schemas.openxmlformats.org/drawingml/2006/main" xmlns:r="http://schemas.openxmlformats.org/officeDocument/2006/relationships" xmlns:p="http://schemas.openxmlformats.org/presentationml/2006/main">
+  <p:cSld>
+    <p:spTree>
+      <p:nvGrpSpPr>
+        <p:cNvPr id="1" name=""/>
+        <p:cNvGrpSpPr/>
+        <p:nvPr/>
+      </p:nvGrpSpPr>
+      <p:grpSpPr>
+        <a:xfrm>
+          <a:off x="0" y="0"/>
+          <a:ext cx="0" cy="0"/>
+          <a:chOff x="0" y="0"/>
+          <a:chExt cx="0" cy="0"/>
+        </a:xfrm>
+      </p:grpSpPr>
+      <p:sp>
+        <p:nvSpPr>
+          <p:cNvPr id="2" name="object 4">
+            <a:extLst>
+              <a:ext uri="{FF2B5EF4-FFF2-40B4-BE49-F238E27FC236}">
+                <a16:creationId xmlns:a16="http://schemas.microsoft.com/office/drawing/2014/main" id="{69817A29-440D-45BF-ACAD-D7C75C1EEB3A}"/>
+              </a:ext>
+            </a:extLst>
+          </p:cNvPr>
+          <p:cNvSpPr txBox="1">
+            <a:spLocks/>
+          </p:cNvSpPr>
+          <p:nvPr/>
+        </p:nvSpPr>
+        <p:spPr>
+          <a:xfrm>
+            <a:off x="11908535" y="6537756"/>
+            <a:ext cx="231140" cy="330200"/>
+          </a:xfrm>
+          <a:prstGeom prst="rect">
+            <a:avLst/>
+          </a:prstGeom>
+        </p:spPr>
+        <p:txBody>
+          <a:bodyPr vert="horz" wrap="square" lIns="0" tIns="0" rIns="0" bIns="0" rtlCol="0">
+            <a:spAutoFit/>
+          </a:bodyPr>
+          <a:lstStyle>
+            <a:defPPr>
+              <a:defRPr lang="pt-PT"/>
+            </a:defPPr>
+            <a:lvl1pPr marL="0" algn="l" defTabSz="914400" rtl="0" eaLnBrk="1" latinLnBrk="0" hangingPunct="1">
+              <a:defRPr sz="2400" b="0" i="0" kern="1200">
+                <a:solidFill>
+                  <a:srgbClr val="888888"/>
+                </a:solidFill>
+                <a:latin typeface="Calibri"/>
+                <a:ea typeface="+mn-ea"/>
+                <a:cs typeface="Calibri"/>
+              </a:defRPr>
+            </a:lvl1pPr>
+            <a:lvl2pPr marL="457200" algn="l" defTabSz="914400" rtl="0" eaLnBrk="1" latinLnBrk="0" hangingPunct="1">
+              <a:defRPr sz="1800" kern="1200">
+                <a:solidFill>
+                  <a:schemeClr val="tx1"/>
+                </a:solidFill>
+                <a:latin typeface="+mn-lt"/>
+                <a:ea typeface="+mn-ea"/>
+                <a:cs typeface="+mn-cs"/>
+              </a:defRPr>
+            </a:lvl2pPr>
+            <a:lvl3pPr marL="914400" algn="l" defTabSz="914400" rtl="0" eaLnBrk="1" latinLnBrk="0" hangingPunct="1">
+              <a:defRPr sz="1800" kern="1200">
+                <a:solidFill>
+                  <a:schemeClr val="tx1"/>
+                </a:solidFill>
+                <a:latin typeface="+mn-lt"/>
+                <a:ea typeface="+mn-ea"/>
+                <a:cs typeface="+mn-cs"/>
+              </a:defRPr>
+            </a:lvl3pPr>
+            <a:lvl4pPr marL="1371600" algn="l" defTabSz="914400" rtl="0" eaLnBrk="1" latinLnBrk="0" hangingPunct="1">
+              <a:defRPr sz="1800" kern="1200">
+                <a:solidFill>
+                  <a:schemeClr val="tx1"/>
+                </a:solidFill>
+                <a:latin typeface="+mn-lt"/>
+                <a:ea typeface="+mn-ea"/>
+                <a:cs typeface="+mn-cs"/>
+              </a:defRPr>
+            </a:lvl4pPr>
+            <a:lvl5pPr marL="1828800" algn="l" defTabSz="914400" rtl="0" eaLnBrk="1" latinLnBrk="0" hangingPunct="1">
+              <a:defRPr sz="1800" kern="1200">
+                <a:solidFill>
+                  <a:schemeClr val="tx1"/>
+                </a:solidFill>
+                <a:latin typeface="+mn-lt"/>
+                <a:ea typeface="+mn-ea"/>
+                <a:cs typeface="+mn-cs"/>
+              </a:defRPr>
+            </a:lvl5pPr>
+            <a:lvl6pPr marL="2286000" algn="l" defTabSz="914400" rtl="0" eaLnBrk="1" latinLnBrk="0" hangingPunct="1">
+              <a:defRPr sz="1800" kern="1200">
+                <a:solidFill>
+                  <a:schemeClr val="tx1"/>
+                </a:solidFill>
+                <a:latin typeface="+mn-lt"/>
+                <a:ea typeface="+mn-ea"/>
+                <a:cs typeface="+mn-cs"/>
+              </a:defRPr>
+            </a:lvl6pPr>
+            <a:lvl7pPr marL="2743200" algn="l" defTabSz="914400" rtl="0" eaLnBrk="1" latinLnBrk="0" hangingPunct="1">
+              <a:defRPr sz="1800" kern="1200">
+                <a:solidFill>
+                  <a:schemeClr val="tx1"/>
+                </a:solidFill>
+                <a:latin typeface="+mn-lt"/>
+                <a:ea typeface="+mn-ea"/>
+                <a:cs typeface="+mn-cs"/>
+              </a:defRPr>
+            </a:lvl7pPr>
+            <a:lvl8pPr marL="3200400" algn="l" defTabSz="914400" rtl="0" eaLnBrk="1" latinLnBrk="0" hangingPunct="1">
+              <a:defRPr sz="1800" kern="1200">
+                <a:solidFill>
+                  <a:schemeClr val="tx1"/>
+                </a:solidFill>
+                <a:latin typeface="+mn-lt"/>
+                <a:ea typeface="+mn-ea"/>
+                <a:cs typeface="+mn-cs"/>
+              </a:defRPr>
+            </a:lvl8pPr>
+            <a:lvl9pPr marL="3657600" algn="l" defTabSz="914400" rtl="0" eaLnBrk="1" latinLnBrk="0" hangingPunct="1">
+              <a:defRPr sz="1800" kern="1200">
+                <a:solidFill>
+                  <a:schemeClr val="tx1"/>
+                </a:solidFill>
+                <a:latin typeface="+mn-lt"/>
+                <a:ea typeface="+mn-ea"/>
+                <a:cs typeface="+mn-cs"/>
+              </a:defRPr>
+            </a:lvl9pPr>
+          </a:lstStyle>
+          <a:p>
+            <a:pPr marL="38100">
+              <a:lnSpc>
+                <a:spcPts val="2380"/>
+              </a:lnSpc>
+            </a:pPr>
+            <a:fld id="{81D60167-4931-47E6-BA6A-407CBD079E47}" type="slidenum">
+              <a:rPr lang="en-US" smtClean="0"/>
+              <a:pPr marL="38100">
+                <a:lnSpc>
+                  <a:spcPts val="2380"/>
+                </a:lnSpc>
+              </a:pPr>
+              <a:t>4</a:t>
+            </a:fld>
+            <a:endParaRPr lang="en-US" dirty="0"/>
+          </a:p>
+        </p:txBody>
+      </p:sp>
+      <p:sp>
+        <p:nvSpPr>
+          <p:cNvPr id="3" name="object 2">
+            <a:extLst>
+              <a:ext uri="{FF2B5EF4-FFF2-40B4-BE49-F238E27FC236}">
+                <a16:creationId xmlns:a16="http://schemas.microsoft.com/office/drawing/2014/main" id="{F2829871-DA54-BEDF-C616-88CCDD224B8E}"/>
+              </a:ext>
+            </a:extLst>
+          </p:cNvPr>
+          <p:cNvSpPr txBox="1">
+            <a:spLocks/>
+          </p:cNvSpPr>
+          <p:nvPr/>
+        </p:nvSpPr>
+        <p:spPr>
+          <a:xfrm>
+            <a:off x="0" y="609676"/>
+            <a:ext cx="12192000" cy="1072730"/>
+          </a:xfrm>
+          <a:prstGeom prst="rect">
+            <a:avLst/>
+          </a:prstGeom>
+        </p:spPr>
+        <p:txBody>
+          <a:bodyPr vert="horz" wrap="square" lIns="0" tIns="13335" rIns="0" bIns="0" rtlCol="0">
+            <a:spAutoFit/>
+          </a:bodyPr>
+          <a:lstStyle>
+            <a:lvl1pPr algn="l" defTabSz="914400" rtl="0" eaLnBrk="1" latinLnBrk="0" hangingPunct="1">
+              <a:lnSpc>
+                <a:spcPct val="90000"/>
+              </a:lnSpc>
+              <a:spcBef>
+                <a:spcPct val="0"/>
+              </a:spcBef>
+              <a:buNone/>
+              <a:defRPr sz="4400" kern="1200">
+                <a:solidFill>
+                  <a:schemeClr val="tx1"/>
+                </a:solidFill>
+                <a:latin typeface="+mj-lt"/>
+                <a:ea typeface="+mj-ea"/>
+                <a:cs typeface="+mj-cs"/>
+              </a:defRPr>
+            </a:lvl1pPr>
+          </a:lstStyle>
+          <a:p>
+            <a:pPr marL="12700" algn="ctr">
+              <a:lnSpc>
+                <a:spcPct val="100000"/>
+              </a:lnSpc>
+              <a:spcBef>
+                <a:spcPts val="105"/>
+              </a:spcBef>
+            </a:pPr>
+            <a:r>
+              <a:rPr lang="pt-PT" b="1" dirty="0">
+                <a:latin typeface="+mn-lt"/>
+                <a:cs typeface="Calibri Light"/>
+              </a:rPr>
+              <a:t>DATA EXPLORATION</a:t>
+            </a:r>
+          </a:p>
+          <a:p>
+            <a:pPr marL="12700" algn="ctr">
+              <a:lnSpc>
+                <a:spcPct val="100000"/>
+              </a:lnSpc>
+              <a:spcBef>
+                <a:spcPts val="105"/>
+              </a:spcBef>
+            </a:pPr>
+            <a:r>
+              <a:rPr lang="pt-PT" sz="2400" b="1" dirty="0">
+                <a:solidFill>
+                  <a:schemeClr val="bg2">
+                    <a:lumMod val="25000"/>
+                  </a:schemeClr>
+                </a:solidFill>
+                <a:latin typeface="+mn-lt"/>
+                <a:cs typeface="Calibri Light"/>
+              </a:rPr>
+              <a:t>CLASS DISTRIBUTION</a:t>
+            </a:r>
+            <a:endParaRPr lang="pt-PT" sz="2400" b="1" dirty="0">
+              <a:solidFill>
+                <a:schemeClr val="bg2">
+                  <a:lumMod val="25000"/>
+                </a:schemeClr>
+              </a:solidFill>
+              <a:latin typeface="+mn-lt"/>
+            </a:endParaRPr>
+          </a:p>
+        </p:txBody>
+      </p:sp>
+      <p:pic>
+        <p:nvPicPr>
+          <p:cNvPr id="8" name="Picture 7">
+            <a:extLst>
+              <a:ext uri="{FF2B5EF4-FFF2-40B4-BE49-F238E27FC236}">
+                <a16:creationId xmlns:a16="http://schemas.microsoft.com/office/drawing/2014/main" id="{07473452-7DC3-CDB5-D70C-958F4C361FFF}"/>
+              </a:ext>
+            </a:extLst>
+          </p:cNvPr>
+          <p:cNvPicPr>
+            <a:picLocks noChangeAspect="1"/>
+          </p:cNvPicPr>
+          <p:nvPr/>
+        </p:nvPicPr>
+        <p:blipFill rotWithShape="1">
+          <a:blip r:embed="rId2"/>
+          <a:srcRect l="12375" r="8125"/>
+          <a:stretch/>
+        </p:blipFill>
+        <p:spPr>
+          <a:xfrm>
+            <a:off x="5324474" y="2205081"/>
+            <a:ext cx="6057901" cy="3810000"/>
+          </a:xfrm>
+          <a:prstGeom prst="rect">
+            <a:avLst/>
+          </a:prstGeom>
+        </p:spPr>
+      </p:pic>
+      <p:sp>
+        <p:nvSpPr>
+          <p:cNvPr id="9" name="object 3">
+            <a:extLst>
+              <a:ext uri="{FF2B5EF4-FFF2-40B4-BE49-F238E27FC236}">
+                <a16:creationId xmlns:a16="http://schemas.microsoft.com/office/drawing/2014/main" id="{E2BD06C7-ECC9-3A2E-FBA0-43F9042C1698}"/>
+              </a:ext>
+            </a:extLst>
+          </p:cNvPr>
+          <p:cNvSpPr txBox="1"/>
+          <p:nvPr/>
+        </p:nvSpPr>
+        <p:spPr>
+          <a:xfrm>
+            <a:off x="809625" y="2646539"/>
+            <a:ext cx="5362575" cy="2927083"/>
+          </a:xfrm>
+          <a:prstGeom prst="rect">
+            <a:avLst/>
+          </a:prstGeom>
+        </p:spPr>
+        <p:txBody>
+          <a:bodyPr vert="horz" wrap="square" lIns="0" tIns="53975" rIns="0" bIns="0" rtlCol="0">
+            <a:spAutoFit/>
+          </a:bodyPr>
+          <a:lstStyle/>
+          <a:p>
+            <a:pPr marL="241300" marR="666750" indent="-229235">
+              <a:lnSpc>
+                <a:spcPts val="2590"/>
+              </a:lnSpc>
+              <a:spcBef>
+                <a:spcPts val="425"/>
+              </a:spcBef>
+              <a:buFont typeface="Arial MT"/>
+              <a:buChar char="•"/>
+              <a:tabLst>
+                <a:tab pos="241935" algn="l"/>
+              </a:tabLst>
+            </a:pPr>
+            <a:r>
+              <a:rPr lang="en-US" sz="2400" b="0" i="0" dirty="0">
+                <a:effectLst/>
+                <a:latin typeface="+mj-lt"/>
+              </a:rPr>
+              <a:t>The prevalence of the positive class is approximately 0.474</a:t>
+            </a:r>
+          </a:p>
+          <a:p>
+            <a:pPr marL="12065" marR="666750">
+              <a:lnSpc>
+                <a:spcPts val="2590"/>
+              </a:lnSpc>
+              <a:spcBef>
+                <a:spcPts val="425"/>
+              </a:spcBef>
+              <a:tabLst>
+                <a:tab pos="241935" algn="l"/>
+              </a:tabLst>
+            </a:pPr>
+            <a:endParaRPr lang="en-US" sz="2400" spc="-45" dirty="0">
+              <a:latin typeface="+mj-lt"/>
+              <a:ea typeface="Calibri Light" panose="020F0302020204030204" pitchFamily="34" charset="0"/>
+              <a:cs typeface="Calibri Light" panose="020F0302020204030204" pitchFamily="34" charset="0"/>
+            </a:endParaRPr>
+          </a:p>
+          <a:p>
+            <a:pPr marL="241300" marR="666750" indent="-229235">
+              <a:lnSpc>
+                <a:spcPts val="2590"/>
+              </a:lnSpc>
+              <a:spcBef>
+                <a:spcPts val="425"/>
+              </a:spcBef>
+              <a:buFont typeface="Arial MT"/>
+              <a:buChar char="•"/>
+              <a:tabLst>
+                <a:tab pos="241935" algn="l"/>
+              </a:tabLst>
+            </a:pPr>
+            <a:r>
+              <a:rPr lang="en-US" sz="2400" spc="-45" dirty="0">
+                <a:latin typeface="+mj-lt"/>
+                <a:ea typeface="Calibri Light" panose="020F0302020204030204" pitchFamily="34" charset="0"/>
+                <a:cs typeface="Calibri Light" panose="020F0302020204030204" pitchFamily="34" charset="0"/>
+              </a:rPr>
+              <a:t>Dataset is considered balanced</a:t>
+            </a:r>
+          </a:p>
+          <a:p>
+            <a:pPr marL="12065" marR="666750">
+              <a:lnSpc>
+                <a:spcPts val="2590"/>
+              </a:lnSpc>
+              <a:spcBef>
+                <a:spcPts val="425"/>
+              </a:spcBef>
+              <a:tabLst>
+                <a:tab pos="241935" algn="l"/>
+              </a:tabLst>
+            </a:pPr>
+            <a:endParaRPr lang="en-US" sz="2400" spc="-45" dirty="0">
+              <a:latin typeface="+mj-lt"/>
+              <a:ea typeface="Calibri Light" panose="020F0302020204030204" pitchFamily="34" charset="0"/>
+              <a:cs typeface="Calibri Light" panose="020F0302020204030204" pitchFamily="34" charset="0"/>
+            </a:endParaRPr>
+          </a:p>
+          <a:p>
+            <a:pPr marL="241300" marR="666750" indent="-229235">
+              <a:lnSpc>
+                <a:spcPts val="2590"/>
+              </a:lnSpc>
+              <a:spcBef>
+                <a:spcPts val="425"/>
+              </a:spcBef>
+              <a:buFont typeface="Arial MT"/>
+              <a:buChar char="•"/>
+              <a:tabLst>
+                <a:tab pos="241935" algn="l"/>
+              </a:tabLst>
+            </a:pPr>
+            <a:r>
+              <a:rPr lang="en-US" sz="2400" spc="-45" dirty="0">
+                <a:latin typeface="+mj-lt"/>
+                <a:ea typeface="Calibri Light" panose="020F0302020204030204" pitchFamily="34" charset="0"/>
+                <a:cs typeface="Calibri Light" panose="020F0302020204030204" pitchFamily="34" charset="0"/>
+              </a:rPr>
+              <a:t>Preprocessing techniques used to address class imbalance (i.e., SMOTE) are not needed</a:t>
+            </a:r>
+          </a:p>
+        </p:txBody>
+      </p:sp>
+    </p:spTree>
+    <p:extLst>
+      <p:ext uri="{BB962C8B-B14F-4D97-AF65-F5344CB8AC3E}">
+        <p14:creationId xmlns:p14="http://schemas.microsoft.com/office/powerpoint/2010/main" val="1255735543"/>
+      </p:ext>
+    </p:extLst>
+  </p:cSld>
+  <p:clrMapOvr>
+    <a:masterClrMapping/>
+  </p:clrMapOvr>
+</p:sld>
+</file>
+
+<file path=ppt/slides/slide5.xml><?xml version="1.0" encoding="utf-8"?>
+<p:sld xmlns:a="http://schemas.openxmlformats.org/drawingml/2006/main" xmlns:r="http://schemas.openxmlformats.org/officeDocument/2006/relationships" xmlns:p="http://schemas.openxmlformats.org/presentationml/2006/main">
+  <p:cSld>
+    <p:spTree>
+      <p:nvGrpSpPr>
+        <p:cNvPr id="1" name=""/>
+        <p:cNvGrpSpPr/>
+        <p:nvPr/>
+      </p:nvGrpSpPr>
+      <p:grpSpPr>
+        <a:xfrm>
+          <a:off x="0" y="0"/>
+          <a:ext cx="0" cy="0"/>
+          <a:chOff x="0" y="0"/>
+          <a:chExt cx="0" cy="0"/>
+        </a:xfrm>
+      </p:grpSpPr>
+      <p:sp>
+        <p:nvSpPr>
+          <p:cNvPr id="2" name="object 4">
+            <a:extLst>
+              <a:ext uri="{FF2B5EF4-FFF2-40B4-BE49-F238E27FC236}">
+                <a16:creationId xmlns:a16="http://schemas.microsoft.com/office/drawing/2014/main" id="{69817A29-440D-45BF-ACAD-D7C75C1EEB3A}"/>
+              </a:ext>
+            </a:extLst>
+          </p:cNvPr>
+          <p:cNvSpPr txBox="1">
+            <a:spLocks/>
+          </p:cNvSpPr>
+          <p:nvPr/>
+        </p:nvSpPr>
+        <p:spPr>
+          <a:xfrm>
+            <a:off x="11908535" y="6537756"/>
+            <a:ext cx="231140" cy="330200"/>
+          </a:xfrm>
+          <a:prstGeom prst="rect">
+            <a:avLst/>
+          </a:prstGeom>
+        </p:spPr>
+        <p:txBody>
+          <a:bodyPr vert="horz" wrap="square" lIns="0" tIns="0" rIns="0" bIns="0" rtlCol="0">
+            <a:spAutoFit/>
+          </a:bodyPr>
+          <a:lstStyle>
+            <a:defPPr>
+              <a:defRPr lang="pt-PT"/>
+            </a:defPPr>
+            <a:lvl1pPr marL="0" algn="l" defTabSz="914400" rtl="0" eaLnBrk="1" latinLnBrk="0" hangingPunct="1">
+              <a:defRPr sz="2400" b="0" i="0" kern="1200">
+                <a:solidFill>
+                  <a:srgbClr val="888888"/>
+                </a:solidFill>
+                <a:latin typeface="Calibri"/>
+                <a:ea typeface="+mn-ea"/>
+                <a:cs typeface="Calibri"/>
+              </a:defRPr>
+            </a:lvl1pPr>
+            <a:lvl2pPr marL="457200" algn="l" defTabSz="914400" rtl="0" eaLnBrk="1" latinLnBrk="0" hangingPunct="1">
+              <a:defRPr sz="1800" kern="1200">
+                <a:solidFill>
+                  <a:schemeClr val="tx1"/>
+                </a:solidFill>
+                <a:latin typeface="+mn-lt"/>
+                <a:ea typeface="+mn-ea"/>
+                <a:cs typeface="+mn-cs"/>
+              </a:defRPr>
+            </a:lvl2pPr>
+            <a:lvl3pPr marL="914400" algn="l" defTabSz="914400" rtl="0" eaLnBrk="1" latinLnBrk="0" hangingPunct="1">
+              <a:defRPr sz="1800" kern="1200">
+                <a:solidFill>
+                  <a:schemeClr val="tx1"/>
+                </a:solidFill>
+                <a:latin typeface="+mn-lt"/>
+                <a:ea typeface="+mn-ea"/>
+                <a:cs typeface="+mn-cs"/>
+              </a:defRPr>
+            </a:lvl3pPr>
+            <a:lvl4pPr marL="1371600" algn="l" defTabSz="914400" rtl="0" eaLnBrk="1" latinLnBrk="0" hangingPunct="1">
+              <a:defRPr sz="1800" kern="1200">
+                <a:solidFill>
+                  <a:schemeClr val="tx1"/>
+                </a:solidFill>
+                <a:latin typeface="+mn-lt"/>
+                <a:ea typeface="+mn-ea"/>
+                <a:cs typeface="+mn-cs"/>
+              </a:defRPr>
+            </a:lvl4pPr>
+            <a:lvl5pPr marL="1828800" algn="l" defTabSz="914400" rtl="0" eaLnBrk="1" latinLnBrk="0" hangingPunct="1">
+              <a:defRPr sz="1800" kern="1200">
+                <a:solidFill>
+                  <a:schemeClr val="tx1"/>
+                </a:solidFill>
+                <a:latin typeface="+mn-lt"/>
+                <a:ea typeface="+mn-ea"/>
+                <a:cs typeface="+mn-cs"/>
+              </a:defRPr>
+            </a:lvl5pPr>
+            <a:lvl6pPr marL="2286000" algn="l" defTabSz="914400" rtl="0" eaLnBrk="1" latinLnBrk="0" hangingPunct="1">
+              <a:defRPr sz="1800" kern="1200">
+                <a:solidFill>
+                  <a:schemeClr val="tx1"/>
+                </a:solidFill>
+                <a:latin typeface="+mn-lt"/>
+                <a:ea typeface="+mn-ea"/>
+                <a:cs typeface="+mn-cs"/>
+              </a:defRPr>
+            </a:lvl6pPr>
+            <a:lvl7pPr marL="2743200" algn="l" defTabSz="914400" rtl="0" eaLnBrk="1" latinLnBrk="0" hangingPunct="1">
+              <a:defRPr sz="1800" kern="1200">
+                <a:solidFill>
+                  <a:schemeClr val="tx1"/>
+                </a:solidFill>
+                <a:latin typeface="+mn-lt"/>
+                <a:ea typeface="+mn-ea"/>
+                <a:cs typeface="+mn-cs"/>
+              </a:defRPr>
+            </a:lvl7pPr>
+            <a:lvl8pPr marL="3200400" algn="l" defTabSz="914400" rtl="0" eaLnBrk="1" latinLnBrk="0" hangingPunct="1">
+              <a:defRPr sz="1800" kern="1200">
+                <a:solidFill>
+                  <a:schemeClr val="tx1"/>
+                </a:solidFill>
+                <a:latin typeface="+mn-lt"/>
+                <a:ea typeface="+mn-ea"/>
+                <a:cs typeface="+mn-cs"/>
+              </a:defRPr>
+            </a:lvl8pPr>
+            <a:lvl9pPr marL="3657600" algn="l" defTabSz="914400" rtl="0" eaLnBrk="1" latinLnBrk="0" hangingPunct="1">
+              <a:defRPr sz="1800" kern="1200">
+                <a:solidFill>
+                  <a:schemeClr val="tx1"/>
+                </a:solidFill>
+                <a:latin typeface="+mn-lt"/>
+                <a:ea typeface="+mn-ea"/>
+                <a:cs typeface="+mn-cs"/>
+              </a:defRPr>
+            </a:lvl9pPr>
+          </a:lstStyle>
+          <a:p>
+            <a:pPr marL="38100">
+              <a:lnSpc>
+                <a:spcPts val="2380"/>
+              </a:lnSpc>
+            </a:pPr>
+            <a:fld id="{81D60167-4931-47E6-BA6A-407CBD079E47}" type="slidenum">
+              <a:rPr lang="en-US" smtClean="0"/>
+              <a:pPr marL="38100">
+                <a:lnSpc>
+                  <a:spcPts val="2380"/>
+                </a:lnSpc>
+              </a:pPr>
+              <a:t>5</a:t>
+            </a:fld>
+            <a:endParaRPr lang="en-US" dirty="0"/>
+          </a:p>
+        </p:txBody>
+      </p:sp>
+      <p:sp>
+        <p:nvSpPr>
+          <p:cNvPr id="3" name="object 2">
+            <a:extLst>
+              <a:ext uri="{FF2B5EF4-FFF2-40B4-BE49-F238E27FC236}">
+                <a16:creationId xmlns:a16="http://schemas.microsoft.com/office/drawing/2014/main" id="{F2829871-DA54-BEDF-C616-88CCDD224B8E}"/>
+              </a:ext>
+            </a:extLst>
+          </p:cNvPr>
+          <p:cNvSpPr txBox="1">
+            <a:spLocks/>
+          </p:cNvSpPr>
+          <p:nvPr/>
+        </p:nvSpPr>
+        <p:spPr>
+          <a:xfrm>
+            <a:off x="0" y="609676"/>
+            <a:ext cx="12192000" cy="1072730"/>
+          </a:xfrm>
+          <a:prstGeom prst="rect">
+            <a:avLst/>
+          </a:prstGeom>
+        </p:spPr>
+        <p:txBody>
+          <a:bodyPr vert="horz" wrap="square" lIns="0" tIns="13335" rIns="0" bIns="0" rtlCol="0">
+            <a:spAutoFit/>
+          </a:bodyPr>
+          <a:lstStyle>
+            <a:lvl1pPr algn="l" defTabSz="914400" rtl="0" eaLnBrk="1" latinLnBrk="0" hangingPunct="1">
+              <a:lnSpc>
+                <a:spcPct val="90000"/>
+              </a:lnSpc>
+              <a:spcBef>
+                <a:spcPct val="0"/>
+              </a:spcBef>
+              <a:buNone/>
+              <a:defRPr sz="4400" kern="1200">
+                <a:solidFill>
+                  <a:schemeClr val="tx1"/>
+                </a:solidFill>
+                <a:latin typeface="+mj-lt"/>
+                <a:ea typeface="+mj-ea"/>
+                <a:cs typeface="+mj-cs"/>
+              </a:defRPr>
+            </a:lvl1pPr>
+          </a:lstStyle>
+          <a:p>
+            <a:pPr marL="12700" algn="ctr">
+              <a:lnSpc>
+                <a:spcPct val="100000"/>
+              </a:lnSpc>
+              <a:spcBef>
+                <a:spcPts val="105"/>
+              </a:spcBef>
+            </a:pPr>
+            <a:r>
+              <a:rPr lang="pt-PT" b="1" dirty="0">
+                <a:latin typeface="+mn-lt"/>
+                <a:cs typeface="Calibri Light"/>
+              </a:rPr>
+              <a:t>DATA EXPLORATION</a:t>
+            </a:r>
+          </a:p>
+          <a:p>
+            <a:pPr marL="12700" algn="ctr">
+              <a:lnSpc>
+                <a:spcPct val="100000"/>
+              </a:lnSpc>
+              <a:spcBef>
+                <a:spcPts val="105"/>
+              </a:spcBef>
+            </a:pPr>
+            <a:r>
+              <a:rPr lang="pt-PT" sz="2400" b="1" dirty="0">
+                <a:solidFill>
+                  <a:schemeClr val="bg2">
+                    <a:lumMod val="25000"/>
+                  </a:schemeClr>
+                </a:solidFill>
+                <a:latin typeface="+mn-lt"/>
+                <a:cs typeface="Calibri Light"/>
+              </a:rPr>
+              <a:t>FEATURE POINT-BISERIAL CORRELATION</a:t>
+            </a:r>
+            <a:endParaRPr lang="pt-PT" sz="2400" b="1" dirty="0">
+              <a:solidFill>
+                <a:schemeClr val="bg2">
+                  <a:lumMod val="25000"/>
+                </a:schemeClr>
+              </a:solidFill>
+              <a:latin typeface="+mn-lt"/>
+            </a:endParaRPr>
+          </a:p>
+        </p:txBody>
+      </p:sp>
+      <p:sp>
+        <p:nvSpPr>
+          <p:cNvPr id="9" name="object 3">
+            <a:extLst>
+              <a:ext uri="{FF2B5EF4-FFF2-40B4-BE49-F238E27FC236}">
+                <a16:creationId xmlns:a16="http://schemas.microsoft.com/office/drawing/2014/main" id="{E2BD06C7-ECC9-3A2E-FBA0-43F9042C1698}"/>
+              </a:ext>
+            </a:extLst>
+          </p:cNvPr>
+          <p:cNvSpPr txBox="1"/>
+          <p:nvPr/>
+        </p:nvSpPr>
+        <p:spPr>
+          <a:xfrm>
+            <a:off x="809625" y="2269671"/>
+            <a:ext cx="5362575" cy="3978653"/>
+          </a:xfrm>
+          <a:prstGeom prst="rect">
+            <a:avLst/>
+          </a:prstGeom>
+        </p:spPr>
+        <p:txBody>
+          <a:bodyPr vert="horz" wrap="square" lIns="0" tIns="53975" rIns="0" bIns="0" rtlCol="0">
+            <a:spAutoFit/>
+          </a:bodyPr>
+          <a:lstStyle/>
+          <a:p>
+            <a:pPr marL="241300" marR="666750" indent="-229235">
+              <a:lnSpc>
+                <a:spcPts val="2590"/>
+              </a:lnSpc>
+              <a:spcBef>
+                <a:spcPts val="425"/>
+              </a:spcBef>
+              <a:buFont typeface="Arial MT"/>
+              <a:buChar char="•"/>
+              <a:tabLst>
+                <a:tab pos="241935" algn="l"/>
+              </a:tabLst>
+            </a:pPr>
+            <a:r>
+              <a:rPr lang="en-US" sz="2400" b="0" i="0" dirty="0">
+                <a:effectLst/>
+                <a:latin typeface="+mj-lt"/>
+              </a:rPr>
+              <a:t>The feature ‘duration’ has the highest correlation coefficient with the target variable</a:t>
+            </a:r>
+          </a:p>
+          <a:p>
+            <a:pPr marL="241300" marR="666750" indent="-229235">
+              <a:lnSpc>
+                <a:spcPts val="2590"/>
+              </a:lnSpc>
+              <a:spcBef>
+                <a:spcPts val="425"/>
+              </a:spcBef>
+              <a:buFont typeface="Arial MT"/>
+              <a:buChar char="•"/>
+              <a:tabLst>
+                <a:tab pos="241935" algn="l"/>
+              </a:tabLst>
+            </a:pPr>
+            <a:endParaRPr lang="en-US" sz="2400" spc="-45" dirty="0">
+              <a:latin typeface="+mj-lt"/>
+              <a:ea typeface="Calibri Light" panose="020F0302020204030204" pitchFamily="34" charset="0"/>
+              <a:cs typeface="Calibri Light" panose="020F0302020204030204" pitchFamily="34" charset="0"/>
+            </a:endParaRPr>
+          </a:p>
+          <a:p>
+            <a:pPr marL="241300" marR="666750" indent="-229235">
+              <a:lnSpc>
+                <a:spcPts val="2590"/>
+              </a:lnSpc>
+              <a:spcBef>
+                <a:spcPts val="425"/>
+              </a:spcBef>
+              <a:buFont typeface="Arial MT"/>
+              <a:buChar char="•"/>
+              <a:tabLst>
+                <a:tab pos="241935" algn="l"/>
+              </a:tabLst>
+            </a:pPr>
+            <a:r>
+              <a:rPr lang="en-US" sz="2400" spc="-45" dirty="0">
+                <a:latin typeface="+mj-lt"/>
+                <a:ea typeface="Calibri Light" panose="020F0302020204030204" pitchFamily="34" charset="0"/>
+                <a:cs typeface="Calibri Light" panose="020F0302020204030204" pitchFamily="34" charset="0"/>
+              </a:rPr>
+              <a:t>The  feature ‘</a:t>
+            </a:r>
+            <a:r>
+              <a:rPr lang="en-US" sz="2400" spc="-45" dirty="0" err="1">
+                <a:latin typeface="+mj-lt"/>
+                <a:ea typeface="Calibri Light" panose="020F0302020204030204" pitchFamily="34" charset="0"/>
+                <a:cs typeface="Calibri Light" panose="020F0302020204030204" pitchFamily="34" charset="0"/>
+              </a:rPr>
+              <a:t>poutcome</a:t>
+            </a:r>
+            <a:r>
+              <a:rPr lang="en-US" sz="2400" spc="-45" dirty="0">
+                <a:latin typeface="+mj-lt"/>
+                <a:ea typeface="Calibri Light" panose="020F0302020204030204" pitchFamily="34" charset="0"/>
+                <a:cs typeface="Calibri Light" panose="020F0302020204030204" pitchFamily="34" charset="0"/>
+              </a:rPr>
+              <a:t>’ has a strong correlation with both the ‘</a:t>
+            </a:r>
+            <a:r>
+              <a:rPr lang="en-US" sz="2400" spc="-45" dirty="0" err="1">
+                <a:latin typeface="+mj-lt"/>
+                <a:ea typeface="Calibri Light" panose="020F0302020204030204" pitchFamily="34" charset="0"/>
+                <a:cs typeface="Calibri Light" panose="020F0302020204030204" pitchFamily="34" charset="0"/>
+              </a:rPr>
+              <a:t>pdays</a:t>
+            </a:r>
+            <a:r>
+              <a:rPr lang="en-US" sz="2400" spc="-45" dirty="0">
+                <a:latin typeface="+mj-lt"/>
+                <a:ea typeface="Calibri Light" panose="020F0302020204030204" pitchFamily="34" charset="0"/>
+                <a:cs typeface="Calibri Light" panose="020F0302020204030204" pitchFamily="34" charset="0"/>
+              </a:rPr>
+              <a:t>’ and ‘previous’ features</a:t>
+            </a:r>
+          </a:p>
+          <a:p>
+            <a:pPr marL="241300" marR="666750" indent="-229235">
+              <a:lnSpc>
+                <a:spcPts val="2590"/>
+              </a:lnSpc>
+              <a:spcBef>
+                <a:spcPts val="425"/>
+              </a:spcBef>
+              <a:buFont typeface="Arial MT"/>
+              <a:buChar char="•"/>
+              <a:tabLst>
+                <a:tab pos="241935" algn="l"/>
+              </a:tabLst>
+            </a:pPr>
+            <a:endParaRPr lang="en-US" sz="2400" spc="-45" dirty="0">
+              <a:latin typeface="+mj-lt"/>
+              <a:ea typeface="Calibri Light" panose="020F0302020204030204" pitchFamily="34" charset="0"/>
+              <a:cs typeface="Calibri Light" panose="020F0302020204030204" pitchFamily="34" charset="0"/>
+            </a:endParaRPr>
+          </a:p>
+          <a:p>
+            <a:pPr marL="241300" marR="666750" indent="-229235">
+              <a:lnSpc>
+                <a:spcPts val="2590"/>
+              </a:lnSpc>
+              <a:spcBef>
+                <a:spcPts val="425"/>
+              </a:spcBef>
+              <a:buFont typeface="Arial MT"/>
+              <a:buChar char="•"/>
+              <a:tabLst>
+                <a:tab pos="241935" algn="l"/>
+              </a:tabLst>
+            </a:pPr>
+            <a:r>
+              <a:rPr lang="en-US" sz="2400" spc="-45" dirty="0">
+                <a:latin typeface="+mj-lt"/>
+                <a:ea typeface="Calibri Light" panose="020F0302020204030204" pitchFamily="34" charset="0"/>
+                <a:cs typeface="Calibri Light" panose="020F0302020204030204" pitchFamily="34" charset="0"/>
+              </a:rPr>
+              <a:t>Most pairs of features have a weak correlation</a:t>
+            </a:r>
+          </a:p>
+          <a:p>
+            <a:pPr marL="241300" marR="666750" indent="-229235">
+              <a:lnSpc>
+                <a:spcPts val="2590"/>
+              </a:lnSpc>
+              <a:spcBef>
+                <a:spcPts val="425"/>
+              </a:spcBef>
+              <a:buFont typeface="Arial MT"/>
+              <a:buChar char="•"/>
+              <a:tabLst>
+                <a:tab pos="241935" algn="l"/>
+              </a:tabLst>
+            </a:pPr>
+            <a:endParaRPr lang="en-US" sz="2400" spc="-45" dirty="0">
+              <a:latin typeface="+mj-lt"/>
+              <a:ea typeface="Calibri Light" panose="020F0302020204030204" pitchFamily="34" charset="0"/>
+              <a:cs typeface="Calibri Light" panose="020F0302020204030204" pitchFamily="34" charset="0"/>
+            </a:endParaRPr>
+          </a:p>
+        </p:txBody>
+      </p:sp>
+      <p:pic>
+        <p:nvPicPr>
+          <p:cNvPr id="5" name="Picture 4">
+            <a:extLst>
+              <a:ext uri="{FF2B5EF4-FFF2-40B4-BE49-F238E27FC236}">
+                <a16:creationId xmlns:a16="http://schemas.microsoft.com/office/drawing/2014/main" id="{A46918C5-4C29-E3E9-C361-00A95E36A95F}"/>
+              </a:ext>
+            </a:extLst>
+          </p:cNvPr>
+          <p:cNvPicPr>
+            <a:picLocks noChangeAspect="1"/>
+          </p:cNvPicPr>
+          <p:nvPr/>
+        </p:nvPicPr>
+        <p:blipFill>
+          <a:blip r:embed="rId3"/>
+          <a:stretch>
+            <a:fillRect/>
+          </a:stretch>
+        </p:blipFill>
+        <p:spPr>
+          <a:xfrm>
+            <a:off x="6172200" y="2000250"/>
+            <a:ext cx="5372355" cy="4766106"/>
+          </a:xfrm>
+          <a:prstGeom prst="rect">
+            <a:avLst/>
+          </a:prstGeom>
+        </p:spPr>
+      </p:pic>
+    </p:spTree>
+    <p:extLst>
+      <p:ext uri="{BB962C8B-B14F-4D97-AF65-F5344CB8AC3E}">
+        <p14:creationId xmlns:p14="http://schemas.microsoft.com/office/powerpoint/2010/main" val="761646474"/>
+      </p:ext>
+    </p:extLst>
+  </p:cSld>
+  <p:clrMapOvr>
+    <a:masterClrMapping/>
+  </p:clrMapOvr>
+</p:sld>
+</file>
+
+<file path=ppt/slides/slide6.xml><?xml version="1.0" encoding="utf-8"?>
+<p:sld xmlns:a="http://schemas.openxmlformats.org/drawingml/2006/main" xmlns:r="http://schemas.openxmlformats.org/officeDocument/2006/relationships" xmlns:p="http://schemas.openxmlformats.org/presentationml/2006/main">
+  <p:cSld>
+    <p:spTree>
+      <p:nvGrpSpPr>
+        <p:cNvPr id="1" name=""/>
+        <p:cNvGrpSpPr/>
+        <p:nvPr/>
+      </p:nvGrpSpPr>
+      <p:grpSpPr>
+        <a:xfrm>
+          <a:off x="0" y="0"/>
+          <a:ext cx="0" cy="0"/>
+          <a:chOff x="0" y="0"/>
+          <a:chExt cx="0" cy="0"/>
+        </a:xfrm>
+      </p:grpSpPr>
+      <p:sp>
+        <p:nvSpPr>
+          <p:cNvPr id="2" name="object 4">
+            <a:extLst>
+              <a:ext uri="{FF2B5EF4-FFF2-40B4-BE49-F238E27FC236}">
+                <a16:creationId xmlns:a16="http://schemas.microsoft.com/office/drawing/2014/main" id="{69817A29-440D-45BF-ACAD-D7C75C1EEB3A}"/>
+              </a:ext>
+            </a:extLst>
+          </p:cNvPr>
+          <p:cNvSpPr txBox="1">
+            <a:spLocks/>
+          </p:cNvSpPr>
+          <p:nvPr/>
+        </p:nvSpPr>
+        <p:spPr>
+          <a:xfrm>
+            <a:off x="11908535" y="6537756"/>
+            <a:ext cx="231140" cy="330200"/>
+          </a:xfrm>
+          <a:prstGeom prst="rect">
+            <a:avLst/>
+          </a:prstGeom>
+        </p:spPr>
+        <p:txBody>
+          <a:bodyPr vert="horz" wrap="square" lIns="0" tIns="0" rIns="0" bIns="0" rtlCol="0">
+            <a:spAutoFit/>
+          </a:bodyPr>
+          <a:lstStyle>
+            <a:defPPr>
+              <a:defRPr lang="pt-PT"/>
+            </a:defPPr>
+            <a:lvl1pPr marL="0" algn="l" defTabSz="914400" rtl="0" eaLnBrk="1" latinLnBrk="0" hangingPunct="1">
+              <a:defRPr sz="2400" b="0" i="0" kern="1200">
+                <a:solidFill>
+                  <a:srgbClr val="888888"/>
+                </a:solidFill>
+                <a:latin typeface="Calibri"/>
+                <a:ea typeface="+mn-ea"/>
+                <a:cs typeface="Calibri"/>
+              </a:defRPr>
+            </a:lvl1pPr>
+            <a:lvl2pPr marL="457200" algn="l" defTabSz="914400" rtl="0" eaLnBrk="1" latinLnBrk="0" hangingPunct="1">
+              <a:defRPr sz="1800" kern="1200">
+                <a:solidFill>
+                  <a:schemeClr val="tx1"/>
+                </a:solidFill>
+                <a:latin typeface="+mn-lt"/>
+                <a:ea typeface="+mn-ea"/>
+                <a:cs typeface="+mn-cs"/>
+              </a:defRPr>
+            </a:lvl2pPr>
+            <a:lvl3pPr marL="914400" algn="l" defTabSz="914400" rtl="0" eaLnBrk="1" latinLnBrk="0" hangingPunct="1">
+              <a:defRPr sz="1800" kern="1200">
+                <a:solidFill>
+                  <a:schemeClr val="tx1"/>
+                </a:solidFill>
+                <a:latin typeface="+mn-lt"/>
+                <a:ea typeface="+mn-ea"/>
+                <a:cs typeface="+mn-cs"/>
+              </a:defRPr>
+            </a:lvl3pPr>
+            <a:lvl4pPr marL="1371600" algn="l" defTabSz="914400" rtl="0" eaLnBrk="1" latinLnBrk="0" hangingPunct="1">
+              <a:defRPr sz="1800" kern="1200">
+                <a:solidFill>
+                  <a:schemeClr val="tx1"/>
+                </a:solidFill>
+                <a:latin typeface="+mn-lt"/>
+                <a:ea typeface="+mn-ea"/>
+                <a:cs typeface="+mn-cs"/>
+              </a:defRPr>
+            </a:lvl4pPr>
+            <a:lvl5pPr marL="1828800" algn="l" defTabSz="914400" rtl="0" eaLnBrk="1" latinLnBrk="0" hangingPunct="1">
+              <a:defRPr sz="1800" kern="1200">
+                <a:solidFill>
+                  <a:schemeClr val="tx1"/>
+                </a:solidFill>
+                <a:latin typeface="+mn-lt"/>
+                <a:ea typeface="+mn-ea"/>
+                <a:cs typeface="+mn-cs"/>
+              </a:defRPr>
+            </a:lvl5pPr>
+            <a:lvl6pPr marL="2286000" algn="l" defTabSz="914400" rtl="0" eaLnBrk="1" latinLnBrk="0" hangingPunct="1">
+              <a:defRPr sz="1800" kern="1200">
+                <a:solidFill>
+                  <a:schemeClr val="tx1"/>
+                </a:solidFill>
+                <a:latin typeface="+mn-lt"/>
+                <a:ea typeface="+mn-ea"/>
+                <a:cs typeface="+mn-cs"/>
+              </a:defRPr>
+            </a:lvl6pPr>
+            <a:lvl7pPr marL="2743200" algn="l" defTabSz="914400" rtl="0" eaLnBrk="1" latinLnBrk="0" hangingPunct="1">
+              <a:defRPr sz="1800" kern="1200">
+                <a:solidFill>
+                  <a:schemeClr val="tx1"/>
+                </a:solidFill>
+                <a:latin typeface="+mn-lt"/>
+                <a:ea typeface="+mn-ea"/>
+                <a:cs typeface="+mn-cs"/>
+              </a:defRPr>
+            </a:lvl7pPr>
+            <a:lvl8pPr marL="3200400" algn="l" defTabSz="914400" rtl="0" eaLnBrk="1" latinLnBrk="0" hangingPunct="1">
+              <a:defRPr sz="1800" kern="1200">
+                <a:solidFill>
+                  <a:schemeClr val="tx1"/>
+                </a:solidFill>
+                <a:latin typeface="+mn-lt"/>
+                <a:ea typeface="+mn-ea"/>
+                <a:cs typeface="+mn-cs"/>
+              </a:defRPr>
+            </a:lvl8pPr>
+            <a:lvl9pPr marL="3657600" algn="l" defTabSz="914400" rtl="0" eaLnBrk="1" latinLnBrk="0" hangingPunct="1">
+              <a:defRPr sz="1800" kern="1200">
+                <a:solidFill>
+                  <a:schemeClr val="tx1"/>
+                </a:solidFill>
+                <a:latin typeface="+mn-lt"/>
+                <a:ea typeface="+mn-ea"/>
+                <a:cs typeface="+mn-cs"/>
+              </a:defRPr>
+            </a:lvl9pPr>
+          </a:lstStyle>
+          <a:p>
+            <a:pPr marL="38100">
+              <a:lnSpc>
+                <a:spcPts val="2380"/>
+              </a:lnSpc>
+            </a:pPr>
+            <a:fld id="{81D60167-4931-47E6-BA6A-407CBD079E47}" type="slidenum">
+              <a:rPr lang="en-US" smtClean="0"/>
+              <a:pPr marL="38100">
+                <a:lnSpc>
+                  <a:spcPts val="2380"/>
+                </a:lnSpc>
+              </a:pPr>
+              <a:t>6</a:t>
+            </a:fld>
+            <a:endParaRPr lang="en-US" dirty="0"/>
+          </a:p>
+        </p:txBody>
+      </p:sp>
+      <p:sp>
+        <p:nvSpPr>
+          <p:cNvPr id="3" name="object 2">
+            <a:extLst>
+              <a:ext uri="{FF2B5EF4-FFF2-40B4-BE49-F238E27FC236}">
+                <a16:creationId xmlns:a16="http://schemas.microsoft.com/office/drawing/2014/main" id="{F2829871-DA54-BEDF-C616-88CCDD224B8E}"/>
+              </a:ext>
+            </a:extLst>
+          </p:cNvPr>
+          <p:cNvSpPr txBox="1">
+            <a:spLocks/>
+          </p:cNvSpPr>
+          <p:nvPr/>
+        </p:nvSpPr>
+        <p:spPr>
+          <a:xfrm>
+            <a:off x="0" y="609676"/>
+            <a:ext cx="12192000" cy="1072730"/>
+          </a:xfrm>
+          <a:prstGeom prst="rect">
+            <a:avLst/>
+          </a:prstGeom>
+        </p:spPr>
+        <p:txBody>
+          <a:bodyPr vert="horz" wrap="square" lIns="0" tIns="13335" rIns="0" bIns="0" rtlCol="0">
+            <a:spAutoFit/>
+          </a:bodyPr>
+          <a:lstStyle>
+            <a:lvl1pPr algn="l" defTabSz="914400" rtl="0" eaLnBrk="1" latinLnBrk="0" hangingPunct="1">
+              <a:lnSpc>
+                <a:spcPct val="90000"/>
+              </a:lnSpc>
+              <a:spcBef>
+                <a:spcPct val="0"/>
+              </a:spcBef>
+              <a:buNone/>
+              <a:defRPr sz="4400" kern="1200">
+                <a:solidFill>
+                  <a:schemeClr val="tx1"/>
+                </a:solidFill>
+                <a:latin typeface="+mj-lt"/>
+                <a:ea typeface="+mj-ea"/>
+                <a:cs typeface="+mj-cs"/>
+              </a:defRPr>
+            </a:lvl1pPr>
+          </a:lstStyle>
+          <a:p>
+            <a:pPr marL="12700" algn="ctr">
+              <a:lnSpc>
+                <a:spcPct val="100000"/>
+              </a:lnSpc>
+              <a:spcBef>
+                <a:spcPts val="105"/>
+              </a:spcBef>
+            </a:pPr>
+            <a:r>
+              <a:rPr lang="pt-PT" b="1" dirty="0">
+                <a:latin typeface="+mn-lt"/>
+                <a:cs typeface="Calibri Light"/>
+              </a:rPr>
+              <a:t>DATA EXPLORATION</a:t>
+            </a:r>
+          </a:p>
+          <a:p>
+            <a:pPr marL="12700" algn="ctr">
+              <a:lnSpc>
+                <a:spcPct val="100000"/>
+              </a:lnSpc>
+              <a:spcBef>
+                <a:spcPts val="105"/>
+              </a:spcBef>
+            </a:pPr>
+            <a:r>
+              <a:rPr lang="pt-PT" sz="2400" b="1" dirty="0">
+                <a:solidFill>
+                  <a:schemeClr val="bg2">
+                    <a:lumMod val="25000"/>
+                  </a:schemeClr>
+                </a:solidFill>
+                <a:latin typeface="+mn-lt"/>
+                <a:cs typeface="Calibri Light"/>
+              </a:rPr>
+              <a:t>OTHER DETAILS</a:t>
+            </a:r>
+            <a:endParaRPr lang="pt-PT" sz="2400" b="1" dirty="0">
+              <a:solidFill>
+                <a:schemeClr val="bg2">
+                  <a:lumMod val="25000"/>
+                </a:schemeClr>
+              </a:solidFill>
+              <a:latin typeface="+mn-lt"/>
+            </a:endParaRPr>
+          </a:p>
+        </p:txBody>
+      </p:sp>
+    </p:spTree>
+    <p:extLst>
+      <p:ext uri="{BB962C8B-B14F-4D97-AF65-F5344CB8AC3E}">
+        <p14:creationId xmlns:p14="http://schemas.microsoft.com/office/powerpoint/2010/main" val="3173147898"/>
       </p:ext>
     </p:extLst>
   </p:cSld>
@@ -4472,4 +8134,299 @@
     </a:ext>
   </a:extLst>
 </a:theme>
+</file>
+
+<file path=ppt/theme/theme2.xml><?xml version="1.0" encoding="utf-8"?>
+<a:theme xmlns:a="http://schemas.openxmlformats.org/drawingml/2006/main" name="Office Theme">
+  <a:themeElements>
+    <a:clrScheme name="Office">
+      <a:dk1>
+        <a:sysClr val="windowText" lastClr="000000"/>
+      </a:dk1>
+      <a:lt1>
+        <a:sysClr val="window" lastClr="FFFFFF"/>
+      </a:lt1>
+      <a:dk2>
+        <a:srgbClr val="44546A"/>
+      </a:dk2>
+      <a:lt2>
+        <a:srgbClr val="E7E6E6"/>
+      </a:lt2>
+      <a:accent1>
+        <a:srgbClr val="4472C4"/>
+      </a:accent1>
+      <a:accent2>
+        <a:srgbClr val="ED7D31"/>
+      </a:accent2>
+      <a:accent3>
+        <a:srgbClr val="A5A5A5"/>
+      </a:accent3>
+      <a:accent4>
+        <a:srgbClr val="FFC000"/>
+      </a:accent4>
+      <a:accent5>
+        <a:srgbClr val="5B9BD5"/>
+      </a:accent5>
+      <a:accent6>
+        <a:srgbClr val="70AD47"/>
+      </a:accent6>
+      <a:hlink>
+        <a:srgbClr val="0563C1"/>
+      </a:hlink>
+      <a:folHlink>
+        <a:srgbClr val="954F72"/>
+      </a:folHlink>
+    </a:clrScheme>
+    <a:fontScheme name="Office">
+      <a:majorFont>
+        <a:latin typeface="Calibri Light" panose="020F0302020204030204"/>
+        <a:ea typeface=""/>
+        <a:cs typeface=""/>
+        <a:font script="Jpan" typeface="游ゴシック Light"/>
+        <a:font script="Hang" typeface="맑은 고딕"/>
+        <a:font script="Hans" typeface="等线 Light"/>
+        <a:font script="Hant" typeface="新細明體"/>
+        <a:font script="Arab" typeface="Times New Roman"/>
+        <a:font script="Hebr" typeface="Times New Roman"/>
+        <a:font script="Thai" typeface="Angsana New"/>
+        <a:font script="Ethi" typeface="Nyala"/>
+        <a:font script="Beng" typeface="Vrinda"/>
+        <a:font script="Gujr" typeface="Shruti"/>
+        <a:font script="Khmr" typeface="MoolBoran"/>
+        <a:font script="Knda" typeface="Tunga"/>
+        <a:font script="Guru" typeface="Raavi"/>
+        <a:font script="Cans" typeface="Euphemia"/>
+        <a:font script="Cher" typeface="Plantagenet Cherokee"/>
+        <a:font script="Yiii" typeface="Microsoft Yi Baiti"/>
+        <a:font script="Tibt" typeface="Microsoft Himalaya"/>
+        <a:font script="Thaa" typeface="MV Boli"/>
+        <a:font script="Deva" typeface="Mangal"/>
+        <a:font script="Telu" typeface="Gautami"/>
+        <a:font script="Taml" typeface="Latha"/>
+        <a:font script="Syrc" typeface="Estrangelo Edessa"/>
+        <a:font script="Orya" typeface="Kalinga"/>
+        <a:font script="Mlym" typeface="Kartika"/>
+        <a:font script="Laoo" typeface="DokChampa"/>
+        <a:font script="Sinh" typeface="Iskoola Pota"/>
+        <a:font script="Mong" typeface="Mongolian Baiti"/>
+        <a:font script="Viet" typeface="Times New Roman"/>
+        <a:font script="Uigh" typeface="Microsoft Uighur"/>
+        <a:font script="Geor" typeface="Sylfaen"/>
+        <a:font script="Armn" typeface="Arial"/>
+        <a:font script="Bugi" typeface="Leelawadee UI"/>
+        <a:font script="Bopo" typeface="Microsoft JhengHei"/>
+        <a:font script="Java" typeface="Javanese Text"/>
+        <a:font script="Lisu" typeface="Segoe UI"/>
+        <a:font script="Mymr" typeface="Myanmar Text"/>
+        <a:font script="Nkoo" typeface="Ebrima"/>
+        <a:font script="Olck" typeface="Nirmala UI"/>
+        <a:font script="Osma" typeface="Ebrima"/>
+        <a:font script="Phag" typeface="Phagspa"/>
+        <a:font script="Syrn" typeface="Estrangelo Edessa"/>
+        <a:font script="Syrj" typeface="Estrangelo Edessa"/>
+        <a:font script="Syre" typeface="Estrangelo Edessa"/>
+        <a:font script="Sora" typeface="Nirmala UI"/>
+        <a:font script="Tale" typeface="Microsoft Tai Le"/>
+        <a:font script="Talu" typeface="Microsoft New Tai Lue"/>
+        <a:font script="Tfng" typeface="Ebrima"/>
+      </a:majorFont>
+      <a:minorFont>
+        <a:latin typeface="Calibri" panose="020F0502020204030204"/>
+        <a:ea typeface=""/>
+        <a:cs typeface=""/>
+        <a:font script="Jpan" typeface="游ゴシック"/>
+        <a:font script="Hang" typeface="맑은 고딕"/>
+        <a:font script="Hans" typeface="等线"/>
+        <a:font script="Hant" typeface="新細明體"/>
+        <a:font script="Arab" typeface="Arial"/>
+        <a:font script="Hebr" typeface="Arial"/>
+        <a:font script="Thai" typeface="Cordia New"/>
+        <a:font script="Ethi" typeface="Nyala"/>
+        <a:font script="Beng" typeface="Vrinda"/>
+        <a:font script="Gujr" typeface="Shruti"/>
+        <a:font script="Khmr" typeface="DaunPenh"/>
+        <a:font script="Knda" typeface="Tunga"/>
+        <a:font script="Guru" typeface="Raavi"/>
+        <a:font script="Cans" typeface="Euphemia"/>
+        <a:font script="Cher" typeface="Plantagenet Cherokee"/>
+        <a:font script="Yiii" typeface="Microsoft Yi Baiti"/>
+        <a:font script="Tibt" typeface="Microsoft Himalaya"/>
+        <a:font script="Thaa" typeface="MV Boli"/>
+        <a:font script="Deva" typeface="Mangal"/>
+        <a:font script="Telu" typeface="Gautami"/>
+        <a:font script="Taml" typeface="Latha"/>
+        <a:font script="Syrc" typeface="Estrangelo Edessa"/>
+        <a:font script="Orya" typeface="Kalinga"/>
+        <a:font script="Mlym" typeface="Kartika"/>
+        <a:font script="Laoo" typeface="DokChampa"/>
+        <a:font script="Sinh" typeface="Iskoola Pota"/>
+        <a:font script="Mong" typeface="Mongolian Baiti"/>
+        <a:font script="Viet" typeface="Arial"/>
+        <a:font script="Uigh" typeface="Microsoft Uighur"/>
+        <a:font script="Geor" typeface="Sylfaen"/>
+        <a:font script="Armn" typeface="Arial"/>
+        <a:font script="Bugi" typeface="Leelawadee UI"/>
+        <a:font script="Bopo" typeface="Microsoft JhengHei"/>
+        <a:font script="Java" typeface="Javanese Text"/>
+        <a:font script="Lisu" typeface="Segoe UI"/>
+        <a:font script="Mymr" typeface="Myanmar Text"/>
+        <a:font script="Nkoo" typeface="Ebrima"/>
+        <a:font script="Olck" typeface="Nirmala UI"/>
+        <a:font script="Osma" typeface="Ebrima"/>
+        <a:font script="Phag" typeface="Phagspa"/>
+        <a:font script="Syrn" typeface="Estrangelo Edessa"/>
+        <a:font script="Syrj" typeface="Estrangelo Edessa"/>
+        <a:font script="Syre" typeface="Estrangelo Edessa"/>
+        <a:font script="Sora" typeface="Nirmala UI"/>
+        <a:font script="Tale" typeface="Microsoft Tai Le"/>
+        <a:font script="Talu" typeface="Microsoft New Tai Lue"/>
+        <a:font script="Tfng" typeface="Ebrima"/>
+      </a:minorFont>
+    </a:fontScheme>
+    <a:fmtScheme name="Office">
+      <a:fillStyleLst>
+        <a:solidFill>
+          <a:schemeClr val="phClr"/>
+        </a:solidFill>
+        <a:gradFill rotWithShape="1">
+          <a:gsLst>
+            <a:gs pos="0">
+              <a:schemeClr val="phClr">
+                <a:lumMod val="110000"/>
+                <a:satMod val="105000"/>
+                <a:tint val="67000"/>
+              </a:schemeClr>
+            </a:gs>
+            <a:gs pos="50000">
+              <a:schemeClr val="phClr">
+                <a:lumMod val="105000"/>
+                <a:satMod val="103000"/>
+                <a:tint val="73000"/>
+              </a:schemeClr>
+            </a:gs>
+            <a:gs pos="100000">
+              <a:schemeClr val="phClr">
+                <a:lumMod val="105000"/>
+                <a:satMod val="109000"/>
+                <a:tint val="81000"/>
+              </a:schemeClr>
+            </a:gs>
+          </a:gsLst>
+          <a:lin ang="5400000" scaled="0"/>
+        </a:gradFill>
+        <a:gradFill rotWithShape="1">
+          <a:gsLst>
+            <a:gs pos="0">
+              <a:schemeClr val="phClr">
+                <a:satMod val="103000"/>
+                <a:lumMod val="102000"/>
+                <a:tint val="94000"/>
+              </a:schemeClr>
+            </a:gs>
+            <a:gs pos="50000">
+              <a:schemeClr val="phClr">
+                <a:satMod val="110000"/>
+                <a:lumMod val="100000"/>
+                <a:shade val="100000"/>
+              </a:schemeClr>
+            </a:gs>
+            <a:gs pos="100000">
+              <a:schemeClr val="phClr">
+                <a:lumMod val="99000"/>
+                <a:satMod val="120000"/>
+                <a:shade val="78000"/>
+              </a:schemeClr>
+            </a:gs>
+          </a:gsLst>
+          <a:lin ang="5400000" scaled="0"/>
+        </a:gradFill>
+      </a:fillStyleLst>
+      <a:lnStyleLst>
+        <a:ln w="6350" cap="flat" cmpd="sng" algn="ctr">
+          <a:solidFill>
+            <a:schemeClr val="phClr"/>
+          </a:solidFill>
+          <a:prstDash val="solid"/>
+          <a:miter lim="800000"/>
+        </a:ln>
+        <a:ln w="12700" cap="flat" cmpd="sng" algn="ctr">
+          <a:solidFill>
+            <a:schemeClr val="phClr"/>
+          </a:solidFill>
+          <a:prstDash val="solid"/>
+          <a:miter lim="800000"/>
+        </a:ln>
+        <a:ln w="19050" cap="flat" cmpd="sng" algn="ctr">
+          <a:solidFill>
+            <a:schemeClr val="phClr"/>
+          </a:solidFill>
+          <a:prstDash val="solid"/>
+          <a:miter lim="800000"/>
+        </a:ln>
+      </a:lnStyleLst>
+      <a:effectStyleLst>
+        <a:effectStyle>
+          <a:effectLst/>
+        </a:effectStyle>
+        <a:effectStyle>
+          <a:effectLst/>
+        </a:effectStyle>
+        <a:effectStyle>
+          <a:effectLst>
+            <a:outerShdw blurRad="57150" dist="19050" dir="5400000" algn="ctr" rotWithShape="0">
+              <a:srgbClr val="000000">
+                <a:alpha val="63000"/>
+              </a:srgbClr>
+            </a:outerShdw>
+          </a:effectLst>
+        </a:effectStyle>
+      </a:effectStyleLst>
+      <a:bgFillStyleLst>
+        <a:solidFill>
+          <a:schemeClr val="phClr"/>
+        </a:solidFill>
+        <a:solidFill>
+          <a:schemeClr val="phClr">
+            <a:tint val="95000"/>
+            <a:satMod val="170000"/>
+          </a:schemeClr>
+        </a:solidFill>
+        <a:gradFill rotWithShape="1">
+          <a:gsLst>
+            <a:gs pos="0">
+              <a:schemeClr val="phClr">
+                <a:tint val="93000"/>
+                <a:satMod val="150000"/>
+                <a:shade val="98000"/>
+                <a:lumMod val="102000"/>
+              </a:schemeClr>
+            </a:gs>
+            <a:gs pos="50000">
+              <a:schemeClr val="phClr">
+                <a:tint val="98000"/>
+                <a:satMod val="130000"/>
+                <a:shade val="90000"/>
+                <a:lumMod val="103000"/>
+              </a:schemeClr>
+            </a:gs>
+            <a:gs pos="100000">
+              <a:schemeClr val="phClr">
+                <a:shade val="63000"/>
+                <a:satMod val="120000"/>
+              </a:schemeClr>
+            </a:gs>
+          </a:gsLst>
+          <a:lin ang="5400000" scaled="0"/>
+        </a:gradFill>
+      </a:bgFillStyleLst>
+    </a:fmtScheme>
+  </a:themeElements>
+  <a:objectDefaults/>
+  <a:extraClrSchemeLst/>
+  <a:extLst>
+    <a:ext uri="{05A4C25C-085E-4340-85A3-A5531E510DB2}">
+      <thm15:themeFamily xmlns:thm15="http://schemas.microsoft.com/office/thememl/2012/main" name="Office Theme" id="{62F939B6-93AF-4DB8-9C6B-D6C7DFDC589F}" vid="{4A3C46E8-61CC-4603-A589-7422A47A8E4A}"/>
+    </a:ext>
+  </a:extLst>
+</a:theme>
 </file>